--- a/2020/12月.pptx
+++ b/2020/12月.pptx
@@ -5,12 +5,21 @@
     <p:sldMasterId id="2147483648" r:id="rId1"/>
   </p:sldMasterIdLst>
   <p:sldIdLst>
-    <p:sldId id="256" r:id="rId2"/>
-    <p:sldId id="257" r:id="rId3"/>
-    <p:sldId id="261" r:id="rId4"/>
-    <p:sldId id="258" r:id="rId5"/>
-    <p:sldId id="263" r:id="rId6"/>
-    <p:sldId id="262" r:id="rId7"/>
+    <p:sldId id="264" r:id="rId2"/>
+    <p:sldId id="271" r:id="rId3"/>
+    <p:sldId id="272" r:id="rId4"/>
+    <p:sldId id="273" r:id="rId5"/>
+    <p:sldId id="274" r:id="rId6"/>
+    <p:sldId id="275" r:id="rId7"/>
+    <p:sldId id="276" r:id="rId8"/>
+    <p:sldId id="277" r:id="rId9"/>
+    <p:sldId id="278" r:id="rId10"/>
+    <p:sldId id="256" r:id="rId11"/>
+    <p:sldId id="257" r:id="rId12"/>
+    <p:sldId id="261" r:id="rId13"/>
+    <p:sldId id="258" r:id="rId14"/>
+    <p:sldId id="263" r:id="rId15"/>
+    <p:sldId id="262" r:id="rId16"/>
   </p:sldIdLst>
   <p:sldSz cx="12192000" cy="6858000"/>
   <p:notesSz cx="6858000" cy="9144000"/>
@@ -309,7 +318,7 @@
           <a:p>
             <a:fld id="{99F5CCC0-4E15-4BAB-8FDE-6376DBFFF5AE}" type="datetimeFigureOut">
               <a:rPr lang="zh-TW" altLang="en-US" smtClean="0"/>
-              <a:t>2020/6/13</a:t>
+              <a:t>2020/11/22</a:t>
             </a:fld>
             <a:endParaRPr lang="zh-TW" altLang="en-US"/>
           </a:p>
@@ -479,7 +488,7 @@
           <a:p>
             <a:fld id="{99F5CCC0-4E15-4BAB-8FDE-6376DBFFF5AE}" type="datetimeFigureOut">
               <a:rPr lang="zh-TW" altLang="en-US" smtClean="0"/>
-              <a:t>2020/6/13</a:t>
+              <a:t>2020/11/22</a:t>
             </a:fld>
             <a:endParaRPr lang="zh-TW" altLang="en-US"/>
           </a:p>
@@ -659,7 +668,7 @@
           <a:p>
             <a:fld id="{99F5CCC0-4E15-4BAB-8FDE-6376DBFFF5AE}" type="datetimeFigureOut">
               <a:rPr lang="zh-TW" altLang="en-US" smtClean="0"/>
-              <a:t>2020/6/13</a:t>
+              <a:t>2020/11/22</a:t>
             </a:fld>
             <a:endParaRPr lang="zh-TW" altLang="en-US"/>
           </a:p>
@@ -829,7 +838,7 @@
           <a:p>
             <a:fld id="{99F5CCC0-4E15-4BAB-8FDE-6376DBFFF5AE}" type="datetimeFigureOut">
               <a:rPr lang="zh-TW" altLang="en-US" smtClean="0"/>
-              <a:t>2020/6/13</a:t>
+              <a:t>2020/11/22</a:t>
             </a:fld>
             <a:endParaRPr lang="zh-TW" altLang="en-US"/>
           </a:p>
@@ -1075,7 +1084,7 @@
           <a:p>
             <a:fld id="{99F5CCC0-4E15-4BAB-8FDE-6376DBFFF5AE}" type="datetimeFigureOut">
               <a:rPr lang="zh-TW" altLang="en-US" smtClean="0"/>
-              <a:t>2020/6/13</a:t>
+              <a:t>2020/11/22</a:t>
             </a:fld>
             <a:endParaRPr lang="zh-TW" altLang="en-US"/>
           </a:p>
@@ -1363,7 +1372,7 @@
           <a:p>
             <a:fld id="{99F5CCC0-4E15-4BAB-8FDE-6376DBFFF5AE}" type="datetimeFigureOut">
               <a:rPr lang="zh-TW" altLang="en-US" smtClean="0"/>
-              <a:t>2020/6/13</a:t>
+              <a:t>2020/11/22</a:t>
             </a:fld>
             <a:endParaRPr lang="zh-TW" altLang="en-US"/>
           </a:p>
@@ -1785,7 +1794,7 @@
           <a:p>
             <a:fld id="{99F5CCC0-4E15-4BAB-8FDE-6376DBFFF5AE}" type="datetimeFigureOut">
               <a:rPr lang="zh-TW" altLang="en-US" smtClean="0"/>
-              <a:t>2020/6/13</a:t>
+              <a:t>2020/11/22</a:t>
             </a:fld>
             <a:endParaRPr lang="zh-TW" altLang="en-US"/>
           </a:p>
@@ -1903,7 +1912,7 @@
           <a:p>
             <a:fld id="{99F5CCC0-4E15-4BAB-8FDE-6376DBFFF5AE}" type="datetimeFigureOut">
               <a:rPr lang="zh-TW" altLang="en-US" smtClean="0"/>
-              <a:t>2020/6/13</a:t>
+              <a:t>2020/11/22</a:t>
             </a:fld>
             <a:endParaRPr lang="zh-TW" altLang="en-US"/>
           </a:p>
@@ -1998,7 +2007,7 @@
           <a:p>
             <a:fld id="{99F5CCC0-4E15-4BAB-8FDE-6376DBFFF5AE}" type="datetimeFigureOut">
               <a:rPr lang="zh-TW" altLang="en-US" smtClean="0"/>
-              <a:t>2020/6/13</a:t>
+              <a:t>2020/11/22</a:t>
             </a:fld>
             <a:endParaRPr lang="zh-TW" altLang="en-US"/>
           </a:p>
@@ -2275,7 +2284,7 @@
           <a:p>
             <a:fld id="{99F5CCC0-4E15-4BAB-8FDE-6376DBFFF5AE}" type="datetimeFigureOut">
               <a:rPr lang="zh-TW" altLang="en-US" smtClean="0"/>
-              <a:t>2020/6/13</a:t>
+              <a:t>2020/11/22</a:t>
             </a:fld>
             <a:endParaRPr lang="zh-TW" altLang="en-US"/>
           </a:p>
@@ -2528,7 +2537,7 @@
           <a:p>
             <a:fld id="{99F5CCC0-4E15-4BAB-8FDE-6376DBFFF5AE}" type="datetimeFigureOut">
               <a:rPr lang="zh-TW" altLang="en-US" smtClean="0"/>
-              <a:t>2020/6/13</a:t>
+              <a:t>2020/11/22</a:t>
             </a:fld>
             <a:endParaRPr lang="zh-TW" altLang="en-US"/>
           </a:p>
@@ -2741,7 +2750,7 @@
           <a:p>
             <a:fld id="{99F5CCC0-4E15-4BAB-8FDE-6376DBFFF5AE}" type="datetimeFigureOut">
               <a:rPr lang="zh-TW" altLang="en-US" smtClean="0"/>
-              <a:t>2020/6/13</a:t>
+              <a:t>2020/11/22</a:t>
             </a:fld>
             <a:endParaRPr lang="zh-TW" altLang="en-US"/>
           </a:p>
@@ -3118,6 +3127,206 @@
       </p:grpSpPr>
       <p:pic>
         <p:nvPicPr>
+          <p:cNvPr id="3" name="內容版面配置區 2"/>
+          <p:cNvPicPr>
+            <a:picLocks noGrp="1" noChangeAspect="1"/>
+          </p:cNvPicPr>
+          <p:nvPr>
+            <p:ph idx="1"/>
+          </p:nvPr>
+        </p:nvPicPr>
+        <p:blipFill>
+          <a:blip r:embed="rId2">
+            <a:extLst>
+              <a:ext uri="{28A0092B-C50C-407E-A947-70E740481C1C}">
+                <a14:useLocalDpi xmlns:a14="http://schemas.microsoft.com/office/drawing/2010/main" val="0"/>
+              </a:ext>
+            </a:extLst>
+          </a:blip>
+          <a:stretch>
+            <a:fillRect/>
+          </a:stretch>
+        </p:blipFill>
+        <p:spPr>
+          <a:xfrm>
+            <a:off x="-1" y="-30203"/>
+            <a:ext cx="12192000" cy="6876256"/>
+          </a:xfrm>
+        </p:spPr>
+      </p:pic>
+      <p:sp>
+        <p:nvSpPr>
+          <p:cNvPr id="8" name="文字方塊 7"/>
+          <p:cNvSpPr txBox="1"/>
+          <p:nvPr/>
+        </p:nvSpPr>
+        <p:spPr>
+          <a:xfrm>
+            <a:off x="527382" y="2115265"/>
+            <a:ext cx="12191999" cy="2554545"/>
+          </a:xfrm>
+          <a:prstGeom prst="rect">
+            <a:avLst/>
+          </a:prstGeom>
+          <a:noFill/>
+        </p:spPr>
+        <p:txBody>
+          <a:bodyPr wrap="square" rtlCol="0">
+            <a:spAutoFit/>
+          </a:bodyPr>
+          <a:lstStyle/>
+          <a:p>
+            <a:r>
+              <a:rPr lang="zh-CN" altLang="en-US" sz="8000" b="1" dirty="0">
+                <a:ln w="6600">
+                  <a:solidFill>
+                    <a:schemeClr val="accent2"/>
+                  </a:solidFill>
+                  <a:prstDash val="solid"/>
+                </a:ln>
+                <a:solidFill>
+                  <a:srgbClr val="FFFFFF"/>
+                </a:solidFill>
+                <a:effectLst>
+                  <a:glow rad="228600">
+                    <a:schemeClr val="accent2">
+                      <a:satMod val="175000"/>
+                      <a:alpha val="40000"/>
+                    </a:schemeClr>
+                  </a:glow>
+                  <a:outerShdw dist="38100" dir="2700000" algn="tl" rotWithShape="0">
+                    <a:schemeClr val="accent2"/>
+                  </a:outerShdw>
+                </a:effectLst>
+                <a:latin typeface="Gungsuh" panose="02030600000101010101" pitchFamily="18" charset="-127"/>
+                <a:ea typeface="Gungsuh" panose="02030600000101010101" pitchFamily="18" charset="-127"/>
+                <a:cs typeface="Times New Roman" pitchFamily="18" charset="0"/>
+              </a:rPr>
+              <a:t>耶穌他愛你 </a:t>
+            </a:r>
+            <a:endParaRPr lang="en-US" altLang="zh-CN" sz="8000" b="1" dirty="0">
+              <a:ln w="6600">
+                <a:solidFill>
+                  <a:schemeClr val="accent2"/>
+                </a:solidFill>
+                <a:prstDash val="solid"/>
+              </a:ln>
+              <a:solidFill>
+                <a:srgbClr val="FFFFFF"/>
+              </a:solidFill>
+              <a:effectLst>
+                <a:glow rad="228600">
+                  <a:schemeClr val="accent2">
+                    <a:satMod val="175000"/>
+                    <a:alpha val="40000"/>
+                  </a:schemeClr>
+                </a:glow>
+                <a:outerShdw dist="38100" dir="2700000" algn="tl" rotWithShape="0">
+                  <a:schemeClr val="accent2"/>
+                </a:outerShdw>
+              </a:effectLst>
+              <a:latin typeface="Gungsuh" panose="02030600000101010101" pitchFamily="18" charset="-127"/>
+              <a:ea typeface="Gungsuh" panose="02030600000101010101" pitchFamily="18" charset="-127"/>
+              <a:cs typeface="Times New Roman" pitchFamily="18" charset="0"/>
+            </a:endParaRPr>
+          </a:p>
+          <a:p>
+            <a:pPr algn="ctr"/>
+            <a:r>
+              <a:rPr lang="zh-CN" altLang="en-US" sz="8000" b="1" dirty="0">
+                <a:ln w="6600">
+                  <a:solidFill>
+                    <a:schemeClr val="accent2"/>
+                  </a:solidFill>
+                  <a:prstDash val="solid"/>
+                </a:ln>
+                <a:solidFill>
+                  <a:srgbClr val="FFFFFF"/>
+                </a:solidFill>
+                <a:effectLst>
+                  <a:glow rad="228600">
+                    <a:schemeClr val="accent2">
+                      <a:satMod val="175000"/>
+                      <a:alpha val="40000"/>
+                    </a:schemeClr>
+                  </a:glow>
+                  <a:outerShdw dist="38100" dir="2700000" algn="tl" rotWithShape="0">
+                    <a:schemeClr val="accent2"/>
+                  </a:outerShdw>
+                </a:effectLst>
+                <a:latin typeface="Gungsuh" panose="02030600000101010101" pitchFamily="18" charset="-127"/>
+                <a:ea typeface="Gungsuh" panose="02030600000101010101" pitchFamily="18" charset="-127"/>
+                <a:cs typeface="Times New Roman" pitchFamily="18" charset="0"/>
+              </a:rPr>
+              <a:t>    所以有聖誕節</a:t>
+            </a:r>
+            <a:endParaRPr lang="zh-TW" altLang="en-US" sz="8000" b="1" dirty="0">
+              <a:ln w="6600">
+                <a:solidFill>
+                  <a:schemeClr val="accent2"/>
+                </a:solidFill>
+                <a:prstDash val="solid"/>
+              </a:ln>
+              <a:solidFill>
+                <a:srgbClr val="FFFFFF"/>
+              </a:solidFill>
+              <a:effectLst>
+                <a:glow rad="228600">
+                  <a:schemeClr val="accent2">
+                    <a:satMod val="175000"/>
+                    <a:alpha val="40000"/>
+                  </a:schemeClr>
+                </a:glow>
+                <a:outerShdw dist="38100" dir="2700000" algn="tl" rotWithShape="0">
+                  <a:schemeClr val="accent2"/>
+                </a:outerShdw>
+              </a:effectLst>
+              <a:latin typeface="Gungsuh" panose="02030600000101010101" pitchFamily="18" charset="-127"/>
+              <a:ea typeface="Gungsuh" panose="02030600000101010101" pitchFamily="18" charset="-127"/>
+              <a:cs typeface="Times New Roman" pitchFamily="18" charset="0"/>
+            </a:endParaRPr>
+          </a:p>
+        </p:txBody>
+      </p:sp>
+    </p:spTree>
+    <p:extLst>
+      <p:ext uri="{BB962C8B-B14F-4D97-AF65-F5344CB8AC3E}">
+        <p14:creationId xmlns:p14="http://schemas.microsoft.com/office/powerpoint/2010/main" val="786833941"/>
+      </p:ext>
+    </p:extLst>
+  </p:cSld>
+  <p:clrMapOvr>
+    <a:masterClrMapping/>
+  </p:clrMapOvr>
+  <p:timing>
+    <p:tnLst>
+      <p:par>
+        <p:cTn id="1" dur="indefinite" restart="never" nodeType="tmRoot"/>
+      </p:par>
+    </p:tnLst>
+  </p:timing>
+</p:sld>
+</file>
+
+<file path=ppt/slides/slide10.xml><?xml version="1.0" encoding="utf-8"?>
+<p:sld xmlns:a="http://schemas.openxmlformats.org/drawingml/2006/main" xmlns:r="http://schemas.openxmlformats.org/officeDocument/2006/relationships" xmlns:p="http://schemas.openxmlformats.org/presentationml/2006/main">
+  <p:cSld>
+    <p:spTree>
+      <p:nvGrpSpPr>
+        <p:cNvPr id="1" name=""/>
+        <p:cNvGrpSpPr/>
+        <p:nvPr/>
+      </p:nvGrpSpPr>
+      <p:grpSpPr>
+        <a:xfrm>
+          <a:off x="0" y="0"/>
+          <a:ext cx="0" cy="0"/>
+          <a:chOff x="0" y="0"/>
+          <a:chExt cx="0" cy="0"/>
+        </a:xfrm>
+      </p:grpSpPr>
+      <p:pic>
+        <p:nvPicPr>
           <p:cNvPr id="9" name="圖片 8"/>
           <p:cNvPicPr>
             <a:picLocks noChangeAspect="1"/>
@@ -3985,7 +4194,7 @@
 </p:sld>
 </file>
 
-<file path=ppt/slides/slide2.xml><?xml version="1.0" encoding="utf-8"?>
+<file path=ppt/slides/slide11.xml><?xml version="1.0" encoding="utf-8"?>
 <p:sld xmlns:a="http://schemas.openxmlformats.org/drawingml/2006/main" xmlns:r="http://schemas.openxmlformats.org/officeDocument/2006/relationships" xmlns:p="http://schemas.openxmlformats.org/presentationml/2006/main">
   <p:cSld>
     <p:spTree>
@@ -4076,17 +4285,7 @@
                 <a:latin typeface="標楷體" pitchFamily="65" charset="-120"/>
                 <a:ea typeface="標楷體" pitchFamily="65" charset="-120"/>
               </a:rPr>
-              <a:t> 看見星星記得主</a:t>
-            </a:r>
-            <a:r>
-              <a:rPr lang="zh-TW" altLang="zh-TW" sz="6000" b="1" dirty="0">
-                <a:solidFill>
-                  <a:srgbClr val="FF0000"/>
-                </a:solidFill>
-                <a:latin typeface="標楷體" pitchFamily="65" charset="-120"/>
-                <a:ea typeface="標楷體" pitchFamily="65" charset="-120"/>
-              </a:rPr>
-              <a:t>愛</a:t>
+              <a:t> 看見星星記得主愛</a:t>
             </a:r>
             <a:endParaRPr lang="en-US" altLang="zh-TW" sz="6000" b="1" dirty="0">
               <a:solidFill>
@@ -4108,27 +4307,7 @@
                 <a:latin typeface="標楷體" pitchFamily="65" charset="-120"/>
                 <a:ea typeface="標楷體" pitchFamily="65" charset="-120"/>
               </a:rPr>
-              <a:t> </a:t>
-            </a:r>
-            <a:r>
-              <a:rPr lang="zh-TW" altLang="zh-TW" sz="6000" b="1" dirty="0">
-                <a:solidFill>
-                  <a:srgbClr val="FF0000"/>
-                </a:solidFill>
-                <a:latin typeface="標楷體" pitchFamily="65" charset="-120"/>
-                <a:ea typeface="標楷體" pitchFamily="65" charset="-120"/>
-              </a:rPr>
-              <a:t>情願降</a:t>
-            </a:r>
-            <a:r>
-              <a:rPr lang="zh-TW" altLang="zh-TW" sz="6000" b="1" dirty="0">
-                <a:solidFill>
-                  <a:srgbClr val="FF0000"/>
-                </a:solidFill>
-                <a:latin typeface="標楷體" pitchFamily="65" charset="-120"/>
-                <a:ea typeface="標楷體" pitchFamily="65" charset="-120"/>
-              </a:rPr>
-              <a:t>人世</a:t>
+              <a:t> 情願降人世</a:t>
             </a:r>
             <a:r>
               <a:rPr lang="en-US" altLang="zh-TW" sz="6000" b="1" dirty="0">
@@ -4148,27 +4327,7 @@
                 <a:latin typeface="標楷體" pitchFamily="65" charset="-120"/>
                 <a:ea typeface="標楷體" pitchFamily="65" charset="-120"/>
               </a:rPr>
-              <a:t>全</a:t>
-            </a:r>
-            <a:r>
-              <a:rPr lang="zh-TW" altLang="zh-TW" sz="6000" b="1" dirty="0">
-                <a:solidFill>
-                  <a:srgbClr val="FF0000"/>
-                </a:solidFill>
-                <a:latin typeface="標楷體" pitchFamily="65" charset="-120"/>
-                <a:ea typeface="標楷體" pitchFamily="65" charset="-120"/>
-              </a:rPr>
-              <a:t>為救</a:t>
-            </a:r>
-            <a:r>
-              <a:rPr lang="zh-TW" altLang="zh-TW" sz="6000" b="1" dirty="0">
-                <a:solidFill>
-                  <a:srgbClr val="FF0000"/>
-                </a:solidFill>
-                <a:latin typeface="標楷體" pitchFamily="65" charset="-120"/>
-                <a:ea typeface="標楷體" pitchFamily="65" charset="-120"/>
-              </a:rPr>
-              <a:t>恩</a:t>
+              <a:t>全為救恩</a:t>
             </a:r>
             <a:endParaRPr lang="en-US" altLang="zh-TW" sz="6000" b="1" dirty="0">
               <a:solidFill>
@@ -4212,17 +4371,7 @@
                 <a:latin typeface="標楷體" pitchFamily="65" charset="-120"/>
                 <a:ea typeface="標楷體" pitchFamily="65" charset="-120"/>
               </a:rPr>
-              <a:t>新的盼望</a:t>
-            </a:r>
-            <a:r>
-              <a:rPr lang="zh-TW" altLang="zh-TW" sz="6000" b="1" dirty="0">
-                <a:solidFill>
-                  <a:srgbClr val="FF0000"/>
-                </a:solidFill>
-                <a:latin typeface="標楷體" pitchFamily="65" charset="-120"/>
-                <a:ea typeface="標楷體" pitchFamily="65" charset="-120"/>
-              </a:rPr>
-              <a:t>來臨</a:t>
+              <a:t>新的盼望來臨</a:t>
             </a:r>
             <a:endParaRPr lang="en-US" altLang="zh-TW" sz="6000" b="1" dirty="0">
               <a:solidFill>
@@ -4336,7 +4485,7 @@
 </p:sld>
 </file>
 
-<file path=ppt/slides/slide3.xml><?xml version="1.0" encoding="utf-8"?>
+<file path=ppt/slides/slide12.xml><?xml version="1.0" encoding="utf-8"?>
 <p:sld xmlns:a="http://schemas.openxmlformats.org/drawingml/2006/main" xmlns:r="http://schemas.openxmlformats.org/officeDocument/2006/relationships" xmlns:p="http://schemas.openxmlformats.org/presentationml/2006/main">
   <p:cSld>
     <p:spTree>
@@ -4427,17 +4576,7 @@
                 <a:latin typeface="標楷體" pitchFamily="65" charset="-120"/>
                 <a:ea typeface="標楷體" pitchFamily="65" charset="-120"/>
               </a:rPr>
-              <a:t>耶穌恩光驅走</a:t>
-            </a:r>
-            <a:r>
-              <a:rPr lang="zh-TW" altLang="zh-TW" sz="6000" b="1" dirty="0">
-                <a:solidFill>
-                  <a:srgbClr val="FF0000"/>
-                </a:solidFill>
-                <a:latin typeface="標楷體" pitchFamily="65" charset="-120"/>
-                <a:ea typeface="標楷體" pitchFamily="65" charset="-120"/>
-              </a:rPr>
-              <a:t>黑暗</a:t>
+              <a:t>耶穌恩光驅走黑暗</a:t>
             </a:r>
             <a:endParaRPr lang="en-US" altLang="zh-TW" sz="6000" b="1" dirty="0">
               <a:solidFill>
@@ -4459,27 +4598,7 @@
                 <a:latin typeface="標楷體" pitchFamily="65" charset="-120"/>
                 <a:ea typeface="標楷體" pitchFamily="65" charset="-120"/>
               </a:rPr>
-              <a:t>讓</a:t>
-            </a:r>
-            <a:r>
-              <a:rPr lang="zh-TW" altLang="zh-TW" sz="6000" b="1" dirty="0">
-                <a:solidFill>
-                  <a:srgbClr val="FF0000"/>
-                </a:solidFill>
-                <a:latin typeface="標楷體" pitchFamily="65" charset="-120"/>
-                <a:ea typeface="標楷體" pitchFamily="65" charset="-120"/>
-              </a:rPr>
-              <a:t>愛充滿</a:t>
-            </a:r>
-            <a:r>
-              <a:rPr lang="zh-TW" altLang="zh-TW" sz="6000" b="1" dirty="0">
-                <a:solidFill>
-                  <a:srgbClr val="FF0000"/>
-                </a:solidFill>
-                <a:latin typeface="標楷體" pitchFamily="65" charset="-120"/>
-                <a:ea typeface="標楷體" pitchFamily="65" charset="-120"/>
-              </a:rPr>
-              <a:t>世間</a:t>
+              <a:t>讓愛充滿世間</a:t>
             </a:r>
             <a:endParaRPr lang="en-US" altLang="zh-TW" sz="6000" b="1" dirty="0">
               <a:solidFill>
@@ -4501,27 +4620,7 @@
                 <a:latin typeface="標楷體" pitchFamily="65" charset="-120"/>
                 <a:ea typeface="標楷體" pitchFamily="65" charset="-120"/>
               </a:rPr>
-              <a:t>耶穌</a:t>
-            </a:r>
-            <a:r>
-              <a:rPr lang="zh-TW" altLang="zh-TW" sz="6000" b="1" dirty="0">
-                <a:solidFill>
-                  <a:srgbClr val="FF0000"/>
-                </a:solidFill>
-                <a:latin typeface="標楷體" pitchFamily="65" charset="-120"/>
-                <a:ea typeface="標楷體" pitchFamily="65" charset="-120"/>
-              </a:rPr>
-              <a:t>恩光照耀萬</a:t>
-            </a:r>
-            <a:r>
-              <a:rPr lang="zh-TW" altLang="zh-TW" sz="6000" b="1" dirty="0">
-                <a:solidFill>
-                  <a:srgbClr val="FF0000"/>
-                </a:solidFill>
-                <a:latin typeface="標楷體" pitchFamily="65" charset="-120"/>
-                <a:ea typeface="標楷體" pitchFamily="65" charset="-120"/>
-              </a:rPr>
-              <a:t>人</a:t>
+              <a:t>耶穌恩光照耀萬人</a:t>
             </a:r>
             <a:endParaRPr lang="en-US" altLang="zh-TW" sz="6000" b="1" dirty="0">
               <a:solidFill>
@@ -4543,35 +4642,8 @@
                 <a:latin typeface="標楷體" pitchFamily="65" charset="-120"/>
                 <a:ea typeface="標楷體" pitchFamily="65" charset="-120"/>
               </a:rPr>
-              <a:t>畫</a:t>
-            </a:r>
-            <a:r>
-              <a:rPr lang="zh-TW" altLang="zh-TW" sz="6000" b="1" dirty="0">
-                <a:solidFill>
-                  <a:srgbClr val="FF0000"/>
-                </a:solidFill>
-                <a:latin typeface="標楷體" pitchFamily="65" charset="-120"/>
-                <a:ea typeface="標楷體" pitchFamily="65" charset="-120"/>
-              </a:rPr>
-              <a:t>上繽紛記</a:t>
-            </a:r>
-            <a:r>
-              <a:rPr lang="zh-TW" altLang="zh-TW" sz="6000" b="1" dirty="0">
-                <a:solidFill>
-                  <a:srgbClr val="FF0000"/>
-                </a:solidFill>
-                <a:latin typeface="標楷體" pitchFamily="65" charset="-120"/>
-                <a:ea typeface="標楷體" pitchFamily="65" charset="-120"/>
-              </a:rPr>
-              <a:t>印</a:t>
-            </a:r>
-            <a:endParaRPr lang="zh-TW" altLang="zh-TW" sz="6000" b="1" dirty="0">
-              <a:solidFill>
-                <a:srgbClr val="FF0000"/>
-              </a:solidFill>
-              <a:latin typeface="標楷體" pitchFamily="65" charset="-120"/>
-              <a:ea typeface="標楷體" pitchFamily="65" charset="-120"/>
-            </a:endParaRPr>
+              <a:t>畫上繽紛記印</a:t>
+            </a:r>
           </a:p>
           <a:p>
             <a:pPr marL="0" indent="0">
@@ -4689,7 +4761,7 @@
 </p:sld>
 </file>
 
-<file path=ppt/slides/slide4.xml><?xml version="1.0" encoding="utf-8"?>
+<file path=ppt/slides/slide13.xml><?xml version="1.0" encoding="utf-8"?>
 <p:sld xmlns:a="http://schemas.openxmlformats.org/drawingml/2006/main" xmlns:r="http://schemas.openxmlformats.org/officeDocument/2006/relationships" xmlns:p="http://schemas.openxmlformats.org/presentationml/2006/main">
   <p:cSld>
     <p:spTree>
@@ -4780,17 +4852,7 @@
                 <a:latin typeface="標楷體" pitchFamily="65" charset="-120"/>
                 <a:ea typeface="標楷體" pitchFamily="65" charset="-120"/>
               </a:rPr>
-              <a:t>是祢雙手抹去苦</a:t>
-            </a:r>
-            <a:r>
-              <a:rPr lang="zh-TW" altLang="zh-TW" sz="6000" b="1" dirty="0">
-                <a:solidFill>
-                  <a:srgbClr val="FF0000"/>
-                </a:solidFill>
-                <a:latin typeface="標楷體" pitchFamily="65" charset="-120"/>
-                <a:ea typeface="標楷體" pitchFamily="65" charset="-120"/>
-              </a:rPr>
-              <a:t>困</a:t>
+              <a:t>是祢雙手抹去苦困</a:t>
             </a:r>
             <a:endParaRPr lang="en-US" altLang="zh-TW" sz="6000" b="1" dirty="0">
               <a:solidFill>
@@ -4812,27 +4874,7 @@
                 <a:latin typeface="標楷體" pitchFamily="65" charset="-120"/>
                 <a:ea typeface="標楷體" pitchFamily="65" charset="-120"/>
               </a:rPr>
-              <a:t>平靜</a:t>
-            </a:r>
-            <a:r>
-              <a:rPr lang="zh-TW" altLang="zh-TW" sz="6000" b="1" dirty="0">
-                <a:solidFill>
-                  <a:srgbClr val="FF0000"/>
-                </a:solidFill>
-                <a:latin typeface="標楷體" pitchFamily="65" charset="-120"/>
-                <a:ea typeface="標楷體" pitchFamily="65" charset="-120"/>
-              </a:rPr>
-              <a:t>與慈愛常在我</a:t>
-            </a:r>
-            <a:r>
-              <a:rPr lang="zh-TW" altLang="zh-TW" sz="6000" b="1" dirty="0">
-                <a:solidFill>
-                  <a:srgbClr val="FF0000"/>
-                </a:solidFill>
-                <a:latin typeface="標楷體" pitchFamily="65" charset="-120"/>
-                <a:ea typeface="標楷體" pitchFamily="65" charset="-120"/>
-              </a:rPr>
-              <a:t>心</a:t>
+              <a:t>平靜與慈愛常在我心</a:t>
             </a:r>
             <a:endParaRPr lang="en-US" altLang="zh-TW" sz="6000" b="1" dirty="0">
               <a:solidFill>
@@ -4854,47 +4896,7 @@
                 <a:latin typeface="標楷體" pitchFamily="65" charset="-120"/>
                 <a:ea typeface="標楷體" pitchFamily="65" charset="-120"/>
               </a:rPr>
-              <a:t>復活</a:t>
-            </a:r>
-            <a:r>
-              <a:rPr lang="zh-TW" altLang="zh-TW" sz="6000" b="1" dirty="0">
-                <a:solidFill>
-                  <a:srgbClr val="FF0000"/>
-                </a:solidFill>
-                <a:latin typeface="標楷體" pitchFamily="65" charset="-120"/>
-                <a:ea typeface="標楷體" pitchFamily="65" charset="-120"/>
-              </a:rPr>
-              <a:t>升天上，萬眾</a:t>
-            </a:r>
-            <a:r>
-              <a:rPr lang="zh-TW" altLang="zh-TW" sz="6000" b="1" dirty="0">
-                <a:solidFill>
-                  <a:srgbClr val="FF0000"/>
-                </a:solidFill>
-                <a:latin typeface="標楷體" pitchFamily="65" charset="-120"/>
-                <a:ea typeface="標楷體" pitchFamily="65" charset="-120"/>
-              </a:rPr>
-              <a:t>歡欣 </a:t>
-            </a:r>
-            <a:r>
-              <a:rPr lang="zh-TW" altLang="zh-TW" sz="6000" b="1" dirty="0">
-                <a:solidFill>
-                  <a:srgbClr val="FF0000"/>
-                </a:solidFill>
-                <a:latin typeface="標楷體" pitchFamily="65" charset="-120"/>
-                <a:ea typeface="標楷體" pitchFamily="65" charset="-120"/>
-              </a:rPr>
-              <a:t>恩典散落</a:t>
-            </a:r>
-            <a:r>
-              <a:rPr lang="zh-TW" altLang="zh-TW" sz="6000" b="1" dirty="0">
-                <a:solidFill>
-                  <a:srgbClr val="FF0000"/>
-                </a:solidFill>
-                <a:latin typeface="標楷體" pitchFamily="65" charset="-120"/>
-                <a:ea typeface="標楷體" pitchFamily="65" charset="-120"/>
-              </a:rPr>
-              <a:t>人群</a:t>
+              <a:t>復活升天上，萬眾歡欣 恩典散落人群</a:t>
             </a:r>
             <a:endParaRPr lang="zh-TW" altLang="en-US" sz="6000" b="1" dirty="0">
               <a:solidFill>
@@ -5090,7 +5092,7 @@
 </p:sld>
 </file>
 
-<file path=ppt/slides/slide5.xml><?xml version="1.0" encoding="utf-8"?>
+<file path=ppt/slides/slide14.xml><?xml version="1.0" encoding="utf-8"?>
 <p:sld xmlns:a="http://schemas.openxmlformats.org/drawingml/2006/main" xmlns:r="http://schemas.openxmlformats.org/officeDocument/2006/relationships" xmlns:p="http://schemas.openxmlformats.org/presentationml/2006/main">
   <p:cSld>
     <p:spTree>
@@ -5181,17 +5183,7 @@
                 <a:latin typeface="標楷體" pitchFamily="65" charset="-120"/>
                 <a:ea typeface="標楷體" pitchFamily="65" charset="-120"/>
               </a:rPr>
-              <a:t>耶穌恩光驅走</a:t>
-            </a:r>
-            <a:r>
-              <a:rPr lang="zh-TW" altLang="zh-TW" sz="6000" b="1" dirty="0">
-                <a:solidFill>
-                  <a:srgbClr val="FF0000"/>
-                </a:solidFill>
-                <a:latin typeface="標楷體" pitchFamily="65" charset="-120"/>
-                <a:ea typeface="標楷體" pitchFamily="65" charset="-120"/>
-              </a:rPr>
-              <a:t>黑暗</a:t>
+              <a:t>耶穌恩光驅走黑暗</a:t>
             </a:r>
             <a:endParaRPr lang="en-US" altLang="zh-TW" sz="6000" b="1" dirty="0">
               <a:solidFill>
@@ -5213,27 +5205,7 @@
                 <a:latin typeface="標楷體" pitchFamily="65" charset="-120"/>
                 <a:ea typeface="標楷體" pitchFamily="65" charset="-120"/>
               </a:rPr>
-              <a:t>讓</a:t>
-            </a:r>
-            <a:r>
-              <a:rPr lang="zh-TW" altLang="zh-TW" sz="6000" b="1" dirty="0">
-                <a:solidFill>
-                  <a:srgbClr val="FF0000"/>
-                </a:solidFill>
-                <a:latin typeface="標楷體" pitchFamily="65" charset="-120"/>
-                <a:ea typeface="標楷體" pitchFamily="65" charset="-120"/>
-              </a:rPr>
-              <a:t>愛充滿</a:t>
-            </a:r>
-            <a:r>
-              <a:rPr lang="zh-TW" altLang="zh-TW" sz="6000" b="1" dirty="0">
-                <a:solidFill>
-                  <a:srgbClr val="FF0000"/>
-                </a:solidFill>
-                <a:latin typeface="標楷體" pitchFamily="65" charset="-120"/>
-                <a:ea typeface="標楷體" pitchFamily="65" charset="-120"/>
-              </a:rPr>
-              <a:t>世間</a:t>
+              <a:t>讓愛充滿世間</a:t>
             </a:r>
             <a:endParaRPr lang="en-US" altLang="zh-TW" sz="6000" b="1" dirty="0">
               <a:solidFill>
@@ -5255,27 +5227,7 @@
                 <a:latin typeface="標楷體" pitchFamily="65" charset="-120"/>
                 <a:ea typeface="標楷體" pitchFamily="65" charset="-120"/>
               </a:rPr>
-              <a:t>耶穌</a:t>
-            </a:r>
-            <a:r>
-              <a:rPr lang="zh-TW" altLang="zh-TW" sz="6000" b="1" dirty="0">
-                <a:solidFill>
-                  <a:srgbClr val="FF0000"/>
-                </a:solidFill>
-                <a:latin typeface="標楷體" pitchFamily="65" charset="-120"/>
-                <a:ea typeface="標楷體" pitchFamily="65" charset="-120"/>
-              </a:rPr>
-              <a:t>恩光照耀萬</a:t>
-            </a:r>
-            <a:r>
-              <a:rPr lang="zh-TW" altLang="zh-TW" sz="6000" b="1" dirty="0">
-                <a:solidFill>
-                  <a:srgbClr val="FF0000"/>
-                </a:solidFill>
-                <a:latin typeface="標楷體" pitchFamily="65" charset="-120"/>
-                <a:ea typeface="標楷體" pitchFamily="65" charset="-120"/>
-              </a:rPr>
-              <a:t>人</a:t>
+              <a:t>耶穌恩光照耀萬人</a:t>
             </a:r>
             <a:endParaRPr lang="en-US" altLang="zh-TW" sz="6000" b="1" dirty="0">
               <a:solidFill>
@@ -5297,35 +5249,8 @@
                 <a:latin typeface="標楷體" pitchFamily="65" charset="-120"/>
                 <a:ea typeface="標楷體" pitchFamily="65" charset="-120"/>
               </a:rPr>
-              <a:t>畫</a:t>
-            </a:r>
-            <a:r>
-              <a:rPr lang="zh-TW" altLang="zh-TW" sz="6000" b="1" dirty="0">
-                <a:solidFill>
-                  <a:srgbClr val="FF0000"/>
-                </a:solidFill>
-                <a:latin typeface="標楷體" pitchFamily="65" charset="-120"/>
-                <a:ea typeface="標楷體" pitchFamily="65" charset="-120"/>
-              </a:rPr>
-              <a:t>上繽紛記</a:t>
-            </a:r>
-            <a:r>
-              <a:rPr lang="zh-TW" altLang="zh-TW" sz="6000" b="1" dirty="0">
-                <a:solidFill>
-                  <a:srgbClr val="FF0000"/>
-                </a:solidFill>
-                <a:latin typeface="標楷體" pitchFamily="65" charset="-120"/>
-                <a:ea typeface="標楷體" pitchFamily="65" charset="-120"/>
-              </a:rPr>
-              <a:t>印</a:t>
-            </a:r>
-            <a:endParaRPr lang="zh-TW" altLang="zh-TW" sz="6000" b="1" dirty="0">
-              <a:solidFill>
-                <a:srgbClr val="FF0000"/>
-              </a:solidFill>
-              <a:latin typeface="標楷體" pitchFamily="65" charset="-120"/>
-              <a:ea typeface="標楷體" pitchFamily="65" charset="-120"/>
-            </a:endParaRPr>
+              <a:t>畫上繽紛記印</a:t>
+            </a:r>
           </a:p>
           <a:p>
             <a:pPr marL="0" indent="0">
@@ -5443,7 +5368,7 @@
 </p:sld>
 </file>
 
-<file path=ppt/slides/slide6.xml><?xml version="1.0" encoding="utf-8"?>
+<file path=ppt/slides/slide15.xml><?xml version="1.0" encoding="utf-8"?>
 <p:sld xmlns:a="http://schemas.openxmlformats.org/drawingml/2006/main" xmlns:r="http://schemas.openxmlformats.org/officeDocument/2006/relationships" xmlns:p="http://schemas.openxmlformats.org/presentationml/2006/main">
   <p:cSld>
     <p:spTree>
@@ -6042,6 +5967,2950 @@
     <p:extLst>
       <p:ext uri="{BB962C8B-B14F-4D97-AF65-F5344CB8AC3E}">
         <p14:creationId xmlns:p14="http://schemas.microsoft.com/office/powerpoint/2010/main" val="2627723458"/>
+      </p:ext>
+    </p:extLst>
+  </p:cSld>
+  <p:clrMapOvr>
+    <a:masterClrMapping/>
+  </p:clrMapOvr>
+  <p:timing>
+    <p:tnLst>
+      <p:par>
+        <p:cTn id="1" dur="indefinite" restart="never" nodeType="tmRoot"/>
+      </p:par>
+    </p:tnLst>
+  </p:timing>
+</p:sld>
+</file>
+
+<file path=ppt/slides/slide2.xml><?xml version="1.0" encoding="utf-8"?>
+<p:sld xmlns:a="http://schemas.openxmlformats.org/drawingml/2006/main" xmlns:r="http://schemas.openxmlformats.org/officeDocument/2006/relationships" xmlns:p="http://schemas.openxmlformats.org/presentationml/2006/main">
+  <p:cSld>
+    <p:spTree>
+      <p:nvGrpSpPr>
+        <p:cNvPr id="1" name=""/>
+        <p:cNvGrpSpPr/>
+        <p:nvPr/>
+      </p:nvGrpSpPr>
+      <p:grpSpPr>
+        <a:xfrm>
+          <a:off x="0" y="0"/>
+          <a:ext cx="0" cy="0"/>
+          <a:chOff x="0" y="0"/>
+          <a:chExt cx="0" cy="0"/>
+        </a:xfrm>
+      </p:grpSpPr>
+      <p:pic>
+        <p:nvPicPr>
+          <p:cNvPr id="3" name="內容版面配置區 2"/>
+          <p:cNvPicPr>
+            <a:picLocks noGrp="1" noChangeAspect="1"/>
+          </p:cNvPicPr>
+          <p:nvPr>
+            <p:ph idx="1"/>
+          </p:nvPr>
+        </p:nvPicPr>
+        <p:blipFill>
+          <a:blip r:embed="rId2">
+            <a:extLst>
+              <a:ext uri="{28A0092B-C50C-407E-A947-70E740481C1C}">
+                <a14:useLocalDpi xmlns:a14="http://schemas.microsoft.com/office/drawing/2010/main" val="0"/>
+              </a:ext>
+            </a:extLst>
+          </a:blip>
+          <a:stretch>
+            <a:fillRect/>
+          </a:stretch>
+        </p:blipFill>
+        <p:spPr>
+          <a:xfrm>
+            <a:off x="-1" y="-30203"/>
+            <a:ext cx="12192000" cy="6876256"/>
+          </a:xfrm>
+        </p:spPr>
+      </p:pic>
+      <p:sp>
+        <p:nvSpPr>
+          <p:cNvPr id="8" name="文字方塊 7"/>
+          <p:cNvSpPr txBox="1"/>
+          <p:nvPr/>
+        </p:nvSpPr>
+        <p:spPr>
+          <a:xfrm>
+            <a:off x="0" y="1412776"/>
+            <a:ext cx="12192000" cy="3293017"/>
+          </a:xfrm>
+          <a:prstGeom prst="rect">
+            <a:avLst/>
+          </a:prstGeom>
+          <a:noFill/>
+        </p:spPr>
+        <p:txBody>
+          <a:bodyPr wrap="square" rtlCol="0">
+            <a:spAutoFit/>
+          </a:bodyPr>
+          <a:lstStyle/>
+          <a:p>
+            <a:pPr algn="ctr"/>
+            <a:r>
+              <a:rPr lang="zh-CN" altLang="en-US" sz="6933" dirty="0">
+                <a:ln w="0"/>
+                <a:solidFill>
+                  <a:srgbClr val="FFFF00"/>
+                </a:solidFill>
+                <a:effectLst>
+                  <a:glow rad="63500">
+                    <a:schemeClr val="accent6">
+                      <a:satMod val="175000"/>
+                      <a:alpha val="40000"/>
+                    </a:schemeClr>
+                  </a:glow>
+                  <a:outerShdw blurRad="38100" dist="19050" dir="2700000" algn="tl" rotWithShape="0">
+                    <a:schemeClr val="dk1">
+                      <a:alpha val="40000"/>
+                    </a:schemeClr>
+                  </a:outerShdw>
+                </a:effectLst>
+                <a:latin typeface="DFBiaoKaiShu-B5" panose="03000509000000000000" pitchFamily="65" charset="-128"/>
+                <a:ea typeface="DFBiaoKaiShu-B5" panose="03000509000000000000" pitchFamily="65" charset="-128"/>
+                <a:cs typeface="DFBiaoKaiShu-B5" panose="03000509000000000000" pitchFamily="65" charset="-128"/>
+              </a:rPr>
+              <a:t>耶穌他愛你 所以他願意</a:t>
+            </a:r>
+            <a:endParaRPr lang="en-US" altLang="zh-CN" sz="6933" dirty="0">
+              <a:ln w="0"/>
+              <a:solidFill>
+                <a:srgbClr val="FFFF00"/>
+              </a:solidFill>
+              <a:effectLst>
+                <a:glow rad="63500">
+                  <a:schemeClr val="accent6">
+                    <a:satMod val="175000"/>
+                    <a:alpha val="40000"/>
+                  </a:schemeClr>
+                </a:glow>
+                <a:outerShdw blurRad="38100" dist="19050" dir="2700000" algn="tl" rotWithShape="0">
+                  <a:schemeClr val="dk1">
+                    <a:alpha val="40000"/>
+                  </a:schemeClr>
+                </a:outerShdw>
+              </a:effectLst>
+              <a:latin typeface="DFBiaoKaiShu-B5" panose="03000509000000000000" pitchFamily="65" charset="-128"/>
+              <a:ea typeface="DFBiaoKaiShu-B5" panose="03000509000000000000" pitchFamily="65" charset="-128"/>
+              <a:cs typeface="DFBiaoKaiShu-B5" panose="03000509000000000000" pitchFamily="65" charset="-128"/>
+            </a:endParaRPr>
+          </a:p>
+          <a:p>
+            <a:pPr algn="ctr"/>
+            <a:r>
+              <a:rPr lang="zh-TW" altLang="en-US" sz="6933" dirty="0" smtClean="0">
+                <a:ln w="0"/>
+                <a:solidFill>
+                  <a:srgbClr val="FFFF00"/>
+                </a:solidFill>
+                <a:effectLst>
+                  <a:glow rad="63500">
+                    <a:schemeClr val="accent6">
+                      <a:satMod val="175000"/>
+                      <a:alpha val="40000"/>
+                    </a:schemeClr>
+                  </a:glow>
+                  <a:outerShdw blurRad="38100" dist="19050" dir="2700000" algn="tl" rotWithShape="0">
+                    <a:schemeClr val="dk1">
+                      <a:alpha val="40000"/>
+                    </a:schemeClr>
+                  </a:outerShdw>
+                </a:effectLst>
+                <a:latin typeface="DFBiaoKaiShu-B5" panose="03000509000000000000" pitchFamily="65" charset="-128"/>
+                <a:ea typeface="DFBiaoKaiShu-B5" panose="03000509000000000000" pitchFamily="65" charset="-128"/>
+                <a:cs typeface="DFBiaoKaiShu-B5" panose="03000509000000000000" pitchFamily="65" charset="-128"/>
+              </a:rPr>
+              <a:t>從</a:t>
+            </a:r>
+            <a:r>
+              <a:rPr lang="zh-TW" altLang="en-US" sz="6933" dirty="0">
+                <a:ln w="0"/>
+                <a:solidFill>
+                  <a:srgbClr val="FFFF00"/>
+                </a:solidFill>
+                <a:effectLst>
+                  <a:glow rad="63500">
+                    <a:schemeClr val="accent6">
+                      <a:satMod val="175000"/>
+                      <a:alpha val="40000"/>
+                    </a:schemeClr>
+                  </a:glow>
+                  <a:outerShdw blurRad="38100" dist="19050" dir="2700000" algn="tl" rotWithShape="0">
+                    <a:schemeClr val="dk1">
+                      <a:alpha val="40000"/>
+                    </a:schemeClr>
+                  </a:outerShdw>
+                </a:effectLst>
+                <a:latin typeface="DFBiaoKaiShu-B5" panose="03000509000000000000" pitchFamily="65" charset="-128"/>
+                <a:ea typeface="DFBiaoKaiShu-B5" panose="03000509000000000000" pitchFamily="65" charset="-128"/>
+                <a:cs typeface="DFBiaoKaiShu-B5" panose="03000509000000000000" pitchFamily="65" charset="-128"/>
+              </a:rPr>
+              <a:t>天上為你降生</a:t>
+            </a:r>
+            <a:endParaRPr lang="en-US" altLang="zh-TW" sz="6933" dirty="0">
+              <a:ln w="0"/>
+              <a:solidFill>
+                <a:srgbClr val="FFFF00"/>
+              </a:solidFill>
+              <a:effectLst>
+                <a:glow rad="63500">
+                  <a:schemeClr val="accent6">
+                    <a:satMod val="175000"/>
+                    <a:alpha val="40000"/>
+                  </a:schemeClr>
+                </a:glow>
+                <a:outerShdw blurRad="38100" dist="19050" dir="2700000" algn="tl" rotWithShape="0">
+                  <a:schemeClr val="dk1">
+                    <a:alpha val="40000"/>
+                  </a:schemeClr>
+                </a:outerShdw>
+              </a:effectLst>
+              <a:latin typeface="DFBiaoKaiShu-B5" panose="03000509000000000000" pitchFamily="65" charset="-128"/>
+              <a:ea typeface="DFBiaoKaiShu-B5" panose="03000509000000000000" pitchFamily="65" charset="-128"/>
+              <a:cs typeface="DFBiaoKaiShu-B5" panose="03000509000000000000" pitchFamily="65" charset="-128"/>
+            </a:endParaRPr>
+          </a:p>
+          <a:p>
+            <a:pPr algn="ctr"/>
+            <a:r>
+              <a:rPr lang="zh-TW" altLang="en-US" sz="6933" dirty="0" smtClean="0">
+                <a:ln w="0"/>
+                <a:solidFill>
+                  <a:srgbClr val="FFFF00"/>
+                </a:solidFill>
+                <a:effectLst>
+                  <a:glow rad="63500">
+                    <a:schemeClr val="accent6">
+                      <a:satMod val="175000"/>
+                      <a:alpha val="40000"/>
+                    </a:schemeClr>
+                  </a:glow>
+                  <a:outerShdw blurRad="38100" dist="19050" dir="2700000" algn="tl" rotWithShape="0">
+                    <a:schemeClr val="dk1">
+                      <a:alpha val="40000"/>
+                    </a:schemeClr>
+                  </a:outerShdw>
+                </a:effectLst>
+                <a:latin typeface="DFBiaoKaiShu-B5" panose="03000509000000000000" pitchFamily="65" charset="-128"/>
+                <a:ea typeface="DFBiaoKaiShu-B5" panose="03000509000000000000" pitchFamily="65" charset="-128"/>
+                <a:cs typeface="DFBiaoKaiShu-B5" panose="03000509000000000000" pitchFamily="65" charset="-128"/>
+              </a:rPr>
+              <a:t>小小</a:t>
+            </a:r>
+            <a:r>
+              <a:rPr lang="zh-CN" altLang="en-US" sz="6933" dirty="0" smtClean="0">
+                <a:ln w="0"/>
+                <a:solidFill>
+                  <a:srgbClr val="FFFF00"/>
+                </a:solidFill>
+                <a:effectLst>
+                  <a:glow rad="63500">
+                    <a:schemeClr val="accent6">
+                      <a:satMod val="175000"/>
+                      <a:alpha val="40000"/>
+                    </a:schemeClr>
+                  </a:glow>
+                  <a:outerShdw blurRad="38100" dist="19050" dir="2700000" algn="tl" rotWithShape="0">
+                    <a:schemeClr val="dk1">
+                      <a:alpha val="40000"/>
+                    </a:schemeClr>
+                  </a:outerShdw>
+                </a:effectLst>
+                <a:latin typeface="DFBiaoKaiShu-B5" panose="03000509000000000000" pitchFamily="65" charset="-128"/>
+                <a:ea typeface="DFBiaoKaiShu-B5" panose="03000509000000000000" pitchFamily="65" charset="-128"/>
+                <a:cs typeface="DFBiaoKaiShu-B5" panose="03000509000000000000" pitchFamily="65" charset="-128"/>
+              </a:rPr>
+              <a:t>馬槽裡</a:t>
+            </a:r>
+            <a:endParaRPr lang="en-US" altLang="zh-TW" sz="6933" dirty="0">
+              <a:ln w="0"/>
+              <a:solidFill>
+                <a:srgbClr val="FFFF00"/>
+              </a:solidFill>
+              <a:effectLst>
+                <a:glow rad="63500">
+                  <a:schemeClr val="accent6">
+                    <a:satMod val="175000"/>
+                    <a:alpha val="40000"/>
+                  </a:schemeClr>
+                </a:glow>
+                <a:outerShdw blurRad="38100" dist="19050" dir="2700000" algn="tl" rotWithShape="0">
+                  <a:schemeClr val="dk1">
+                    <a:alpha val="40000"/>
+                  </a:schemeClr>
+                </a:outerShdw>
+              </a:effectLst>
+              <a:latin typeface="DFBiaoKaiShu-B5" panose="03000509000000000000" pitchFamily="65" charset="-128"/>
+              <a:ea typeface="DFBiaoKaiShu-B5" panose="03000509000000000000" pitchFamily="65" charset="-128"/>
+              <a:cs typeface="DFBiaoKaiShu-B5" panose="03000509000000000000" pitchFamily="65" charset="-128"/>
+            </a:endParaRPr>
+          </a:p>
+        </p:txBody>
+      </p:sp>
+    </p:spTree>
+    <p:extLst>
+      <p:ext uri="{BB962C8B-B14F-4D97-AF65-F5344CB8AC3E}">
+        <p14:creationId xmlns:p14="http://schemas.microsoft.com/office/powerpoint/2010/main" val="2237933382"/>
+      </p:ext>
+    </p:extLst>
+  </p:cSld>
+  <p:clrMapOvr>
+    <a:masterClrMapping/>
+  </p:clrMapOvr>
+  <p:timing>
+    <p:tnLst>
+      <p:par>
+        <p:cTn id="1" dur="indefinite" restart="never" nodeType="tmRoot"/>
+      </p:par>
+    </p:tnLst>
+  </p:timing>
+</p:sld>
+</file>
+
+<file path=ppt/slides/slide3.xml><?xml version="1.0" encoding="utf-8"?>
+<p:sld xmlns:a="http://schemas.openxmlformats.org/drawingml/2006/main" xmlns:r="http://schemas.openxmlformats.org/officeDocument/2006/relationships" xmlns:p="http://schemas.openxmlformats.org/presentationml/2006/main">
+  <p:cSld>
+    <p:spTree>
+      <p:nvGrpSpPr>
+        <p:cNvPr id="1" name=""/>
+        <p:cNvGrpSpPr/>
+        <p:nvPr/>
+      </p:nvGrpSpPr>
+      <p:grpSpPr>
+        <a:xfrm>
+          <a:off x="0" y="0"/>
+          <a:ext cx="0" cy="0"/>
+          <a:chOff x="0" y="0"/>
+          <a:chExt cx="0" cy="0"/>
+        </a:xfrm>
+      </p:grpSpPr>
+      <p:pic>
+        <p:nvPicPr>
+          <p:cNvPr id="4" name="內容版面配置區 3"/>
+          <p:cNvPicPr>
+            <a:picLocks noGrp="1" noChangeAspect="1"/>
+          </p:cNvPicPr>
+          <p:nvPr>
+            <p:ph idx="1"/>
+          </p:nvPr>
+        </p:nvPicPr>
+        <p:blipFill>
+          <a:blip r:embed="rId2">
+            <a:extLst>
+              <a:ext uri="{28A0092B-C50C-407E-A947-70E740481C1C}">
+                <a14:useLocalDpi xmlns:a14="http://schemas.microsoft.com/office/drawing/2010/main" val="0"/>
+              </a:ext>
+            </a:extLst>
+          </a:blip>
+          <a:stretch>
+            <a:fillRect/>
+          </a:stretch>
+        </p:blipFill>
+        <p:spPr>
+          <a:xfrm>
+            <a:off x="0" y="0"/>
+            <a:ext cx="12192000" cy="6858000"/>
+          </a:xfrm>
+        </p:spPr>
+      </p:pic>
+      <p:sp>
+        <p:nvSpPr>
+          <p:cNvPr id="8" name="文字方塊 7"/>
+          <p:cNvSpPr txBox="1"/>
+          <p:nvPr/>
+        </p:nvSpPr>
+        <p:spPr>
+          <a:xfrm>
+            <a:off x="0" y="1340768"/>
+            <a:ext cx="12192000" cy="3293017"/>
+          </a:xfrm>
+          <a:prstGeom prst="rect">
+            <a:avLst/>
+          </a:prstGeom>
+          <a:noFill/>
+        </p:spPr>
+        <p:txBody>
+          <a:bodyPr wrap="square" rtlCol="0">
+            <a:spAutoFit/>
+          </a:bodyPr>
+          <a:lstStyle/>
+          <a:p>
+            <a:pPr algn="ctr"/>
+            <a:r>
+              <a:rPr lang="zh-CN" altLang="en-US" sz="6933" dirty="0">
+                <a:ln w="0"/>
+                <a:solidFill>
+                  <a:srgbClr val="FFFF00"/>
+                </a:solidFill>
+                <a:effectLst>
+                  <a:glow rad="139700">
+                    <a:schemeClr val="accent5">
+                      <a:satMod val="175000"/>
+                      <a:alpha val="40000"/>
+                    </a:schemeClr>
+                  </a:glow>
+                  <a:outerShdw blurRad="38100" dist="19050" dir="2700000" algn="tl" rotWithShape="0">
+                    <a:schemeClr val="dk1">
+                      <a:alpha val="40000"/>
+                    </a:schemeClr>
+                  </a:outerShdw>
+                </a:effectLst>
+                <a:latin typeface="標楷體" panose="03000509000000000000" pitchFamily="65" charset="-120"/>
+                <a:ea typeface="標楷體" panose="03000509000000000000" pitchFamily="65" charset="-120"/>
+                <a:cs typeface="Times New Roman" pitchFamily="18" charset="0"/>
+              </a:rPr>
+              <a:t>耶穌他愛你 所以他願</a:t>
+            </a:r>
+            <a:r>
+              <a:rPr lang="zh-CN" altLang="en-US" sz="6933" dirty="0" smtClean="0">
+                <a:ln w="0"/>
+                <a:solidFill>
+                  <a:srgbClr val="FFFF00"/>
+                </a:solidFill>
+                <a:effectLst>
+                  <a:glow rad="139700">
+                    <a:schemeClr val="accent5">
+                      <a:satMod val="175000"/>
+                      <a:alpha val="40000"/>
+                    </a:schemeClr>
+                  </a:glow>
+                  <a:outerShdw blurRad="38100" dist="19050" dir="2700000" algn="tl" rotWithShape="0">
+                    <a:schemeClr val="dk1">
+                      <a:alpha val="40000"/>
+                    </a:schemeClr>
+                  </a:outerShdw>
+                </a:effectLst>
+                <a:latin typeface="標楷體" panose="03000509000000000000" pitchFamily="65" charset="-120"/>
+                <a:ea typeface="標楷體" panose="03000509000000000000" pitchFamily="65" charset="-120"/>
+                <a:cs typeface="Times New Roman" pitchFamily="18" charset="0"/>
+              </a:rPr>
+              <a:t>意</a:t>
+            </a:r>
+            <a:endParaRPr lang="en-US" altLang="zh-CN" sz="6933" dirty="0" smtClean="0">
+              <a:ln w="0"/>
+              <a:solidFill>
+                <a:srgbClr val="FFFF00"/>
+              </a:solidFill>
+              <a:effectLst>
+                <a:glow rad="139700">
+                  <a:schemeClr val="accent5">
+                    <a:satMod val="175000"/>
+                    <a:alpha val="40000"/>
+                  </a:schemeClr>
+                </a:glow>
+                <a:outerShdw blurRad="38100" dist="19050" dir="2700000" algn="tl" rotWithShape="0">
+                  <a:schemeClr val="dk1">
+                    <a:alpha val="40000"/>
+                  </a:schemeClr>
+                </a:outerShdw>
+              </a:effectLst>
+              <a:latin typeface="標楷體" panose="03000509000000000000" pitchFamily="65" charset="-120"/>
+              <a:ea typeface="標楷體" panose="03000509000000000000" pitchFamily="65" charset="-120"/>
+              <a:cs typeface="Times New Roman" pitchFamily="18" charset="0"/>
+            </a:endParaRPr>
+          </a:p>
+          <a:p>
+            <a:pPr algn="ctr"/>
+            <a:r>
+              <a:rPr lang="zh-TW" altLang="en-US" sz="6933" dirty="0" smtClean="0">
+                <a:ln w="0"/>
+                <a:solidFill>
+                  <a:srgbClr val="FFFF00"/>
+                </a:solidFill>
+                <a:effectLst>
+                  <a:glow rad="139700">
+                    <a:schemeClr val="accent5">
+                      <a:satMod val="175000"/>
+                      <a:alpha val="40000"/>
+                    </a:schemeClr>
+                  </a:glow>
+                  <a:outerShdw blurRad="38100" dist="19050" dir="2700000" algn="tl" rotWithShape="0">
+                    <a:schemeClr val="dk1">
+                      <a:alpha val="40000"/>
+                    </a:schemeClr>
+                  </a:outerShdw>
+                </a:effectLst>
+                <a:latin typeface="標楷體" panose="03000509000000000000" pitchFamily="65" charset="-120"/>
+                <a:ea typeface="標楷體" panose="03000509000000000000" pitchFamily="65" charset="-120"/>
+                <a:cs typeface="Times New Roman" pitchFamily="18" charset="0"/>
+              </a:rPr>
+              <a:t>為</a:t>
+            </a:r>
+            <a:r>
+              <a:rPr lang="zh-TW" altLang="en-US" sz="6933" dirty="0">
+                <a:ln w="0"/>
+                <a:solidFill>
+                  <a:srgbClr val="FFFF00"/>
+                </a:solidFill>
+                <a:effectLst>
+                  <a:glow rad="139700">
+                    <a:schemeClr val="accent5">
+                      <a:satMod val="175000"/>
+                      <a:alpha val="40000"/>
+                    </a:schemeClr>
+                  </a:glow>
+                  <a:outerShdw blurRad="38100" dist="19050" dir="2700000" algn="tl" rotWithShape="0">
+                    <a:schemeClr val="dk1">
+                      <a:alpha val="40000"/>
+                    </a:schemeClr>
+                  </a:outerShdw>
+                </a:effectLst>
+                <a:latin typeface="標楷體" panose="03000509000000000000" pitchFamily="65" charset="-120"/>
+                <a:ea typeface="標楷體" panose="03000509000000000000" pitchFamily="65" charset="-120"/>
+                <a:cs typeface="Times New Roman" pitchFamily="18" charset="0"/>
+              </a:rPr>
+              <a:t>我們帶來</a:t>
+            </a:r>
+            <a:r>
+              <a:rPr lang="zh-TW" altLang="en-US" sz="6933" dirty="0">
+                <a:ln w="0"/>
+                <a:solidFill>
+                  <a:srgbClr val="FFFF00"/>
+                </a:solidFill>
+                <a:effectLst>
+                  <a:glow rad="139700">
+                    <a:schemeClr val="accent5">
+                      <a:satMod val="175000"/>
+                      <a:alpha val="40000"/>
+                    </a:schemeClr>
+                  </a:glow>
+                  <a:outerShdw blurRad="38100" dist="19050" dir="2700000" algn="tl" rotWithShape="0">
+                    <a:schemeClr val="dk1">
+                      <a:alpha val="40000"/>
+                    </a:schemeClr>
+                  </a:outerShdw>
+                </a:effectLst>
+                <a:latin typeface="標楷體" panose="03000509000000000000" pitchFamily="65" charset="-120"/>
+                <a:ea typeface="標楷體" panose="03000509000000000000" pitchFamily="65" charset="-120"/>
+                <a:cs typeface="Times New Roman" pitchFamily="18" charset="0"/>
+              </a:rPr>
+              <a:t>盼</a:t>
+            </a:r>
+            <a:r>
+              <a:rPr lang="zh-TW" altLang="en-US" sz="6933" dirty="0" smtClean="0">
+                <a:ln w="0"/>
+                <a:solidFill>
+                  <a:srgbClr val="FFFF00"/>
+                </a:solidFill>
+                <a:effectLst>
+                  <a:glow rad="139700">
+                    <a:schemeClr val="accent5">
+                      <a:satMod val="175000"/>
+                      <a:alpha val="40000"/>
+                    </a:schemeClr>
+                  </a:glow>
+                  <a:outerShdw blurRad="38100" dist="19050" dir="2700000" algn="tl" rotWithShape="0">
+                    <a:schemeClr val="dk1">
+                      <a:alpha val="40000"/>
+                    </a:schemeClr>
+                  </a:outerShdw>
+                </a:effectLst>
+                <a:latin typeface="標楷體" panose="03000509000000000000" pitchFamily="65" charset="-120"/>
+                <a:ea typeface="標楷體" panose="03000509000000000000" pitchFamily="65" charset="-120"/>
+                <a:cs typeface="Times New Roman" pitchFamily="18" charset="0"/>
+              </a:rPr>
+              <a:t>望</a:t>
+            </a:r>
+            <a:endParaRPr lang="en-US" altLang="zh-TW" sz="6933" dirty="0" smtClean="0">
+              <a:ln w="0"/>
+              <a:solidFill>
+                <a:srgbClr val="FFFF00"/>
+              </a:solidFill>
+              <a:effectLst>
+                <a:glow rad="139700">
+                  <a:schemeClr val="accent5">
+                    <a:satMod val="175000"/>
+                    <a:alpha val="40000"/>
+                  </a:schemeClr>
+                </a:glow>
+                <a:outerShdw blurRad="38100" dist="19050" dir="2700000" algn="tl" rotWithShape="0">
+                  <a:schemeClr val="dk1">
+                    <a:alpha val="40000"/>
+                  </a:schemeClr>
+                </a:outerShdw>
+              </a:effectLst>
+              <a:latin typeface="標楷體" panose="03000509000000000000" pitchFamily="65" charset="-120"/>
+              <a:ea typeface="標楷體" panose="03000509000000000000" pitchFamily="65" charset="-120"/>
+              <a:cs typeface="Times New Roman" pitchFamily="18" charset="0"/>
+            </a:endParaRPr>
+          </a:p>
+          <a:p>
+            <a:pPr algn="ctr"/>
+            <a:r>
+              <a:rPr lang="zh-TW" altLang="en-US" sz="6933" dirty="0" smtClean="0">
+                <a:ln w="0"/>
+                <a:solidFill>
+                  <a:srgbClr val="FFFF00"/>
+                </a:solidFill>
+                <a:effectLst>
+                  <a:glow rad="139700">
+                    <a:schemeClr val="accent5">
+                      <a:satMod val="175000"/>
+                      <a:alpha val="40000"/>
+                    </a:schemeClr>
+                  </a:glow>
+                  <a:outerShdw blurRad="38100" dist="19050" dir="2700000" algn="tl" rotWithShape="0">
+                    <a:schemeClr val="dk1">
+                      <a:alpha val="40000"/>
+                    </a:schemeClr>
+                  </a:outerShdw>
+                </a:effectLst>
+                <a:latin typeface="標楷體" panose="03000509000000000000" pitchFamily="65" charset="-120"/>
+                <a:ea typeface="標楷體" panose="03000509000000000000" pitchFamily="65" charset="-120"/>
+                <a:cs typeface="Times New Roman" pitchFamily="18" charset="0"/>
+              </a:rPr>
+              <a:t>平</a:t>
+            </a:r>
+            <a:r>
+              <a:rPr lang="zh-TW" altLang="en-US" sz="6933" dirty="0">
+                <a:ln w="0"/>
+                <a:solidFill>
+                  <a:srgbClr val="FFFF00"/>
+                </a:solidFill>
+                <a:effectLst>
+                  <a:glow rad="139700">
+                    <a:schemeClr val="accent5">
+                      <a:satMod val="175000"/>
+                      <a:alpha val="40000"/>
+                    </a:schemeClr>
+                  </a:glow>
+                  <a:outerShdw blurRad="38100" dist="19050" dir="2700000" algn="tl" rotWithShape="0">
+                    <a:schemeClr val="dk1">
+                      <a:alpha val="40000"/>
+                    </a:schemeClr>
+                  </a:outerShdw>
+                </a:effectLst>
+                <a:latin typeface="標楷體" panose="03000509000000000000" pitchFamily="65" charset="-120"/>
+                <a:ea typeface="標楷體" panose="03000509000000000000" pitchFamily="65" charset="-120"/>
+                <a:cs typeface="Times New Roman" pitchFamily="18" charset="0"/>
+              </a:rPr>
+              <a:t>安的消</a:t>
+            </a:r>
+            <a:r>
+              <a:rPr lang="zh-TW" altLang="en-US" sz="6933" dirty="0" smtClean="0">
+                <a:ln w="0"/>
+                <a:solidFill>
+                  <a:srgbClr val="FFFF00"/>
+                </a:solidFill>
+                <a:effectLst>
+                  <a:glow rad="139700">
+                    <a:schemeClr val="accent5">
+                      <a:satMod val="175000"/>
+                      <a:alpha val="40000"/>
+                    </a:schemeClr>
+                  </a:glow>
+                  <a:outerShdw blurRad="38100" dist="19050" dir="2700000" algn="tl" rotWithShape="0">
+                    <a:schemeClr val="dk1">
+                      <a:alpha val="40000"/>
+                    </a:schemeClr>
+                  </a:outerShdw>
+                </a:effectLst>
+                <a:latin typeface="標楷體" panose="03000509000000000000" pitchFamily="65" charset="-120"/>
+                <a:ea typeface="標楷體" panose="03000509000000000000" pitchFamily="65" charset="-120"/>
+                <a:cs typeface="Times New Roman" pitchFamily="18" charset="0"/>
+              </a:rPr>
+              <a:t>息</a:t>
+            </a:r>
+            <a:endParaRPr lang="zh-TW" altLang="en-US" sz="4267" b="1" dirty="0">
+              <a:ln w="12700" cmpd="sng">
+                <a:solidFill>
+                  <a:schemeClr val="accent4"/>
+                </a:solidFill>
+                <a:prstDash val="solid"/>
+              </a:ln>
+              <a:solidFill>
+                <a:schemeClr val="accent6">
+                  <a:lumMod val="75000"/>
+                </a:schemeClr>
+              </a:solidFill>
+              <a:latin typeface="Times New Roman" panose="02020603050405020304" pitchFamily="18" charset="0"/>
+              <a:cs typeface="Times New Roman" panose="02020603050405020304" pitchFamily="18" charset="0"/>
+            </a:endParaRPr>
+          </a:p>
+        </p:txBody>
+      </p:sp>
+    </p:spTree>
+    <p:extLst>
+      <p:ext uri="{BB962C8B-B14F-4D97-AF65-F5344CB8AC3E}">
+        <p14:creationId xmlns:p14="http://schemas.microsoft.com/office/powerpoint/2010/main" val="4199645"/>
+      </p:ext>
+    </p:extLst>
+  </p:cSld>
+  <p:clrMapOvr>
+    <a:masterClrMapping/>
+  </p:clrMapOvr>
+  <p:timing>
+    <p:tnLst>
+      <p:par>
+        <p:cTn id="1" dur="indefinite" restart="never" nodeType="tmRoot"/>
+      </p:par>
+    </p:tnLst>
+  </p:timing>
+</p:sld>
+</file>
+
+<file path=ppt/slides/slide4.xml><?xml version="1.0" encoding="utf-8"?>
+<p:sld xmlns:a="http://schemas.openxmlformats.org/drawingml/2006/main" xmlns:r="http://schemas.openxmlformats.org/officeDocument/2006/relationships" xmlns:p="http://schemas.openxmlformats.org/presentationml/2006/main">
+  <p:cSld>
+    <p:spTree>
+      <p:nvGrpSpPr>
+        <p:cNvPr id="1" name=""/>
+        <p:cNvGrpSpPr/>
+        <p:nvPr/>
+      </p:nvGrpSpPr>
+      <p:grpSpPr>
+        <a:xfrm>
+          <a:off x="0" y="0"/>
+          <a:ext cx="0" cy="0"/>
+          <a:chOff x="0" y="0"/>
+          <a:chExt cx="0" cy="0"/>
+        </a:xfrm>
+      </p:grpSpPr>
+      <p:pic>
+        <p:nvPicPr>
+          <p:cNvPr id="4" name="內容版面配置區 3"/>
+          <p:cNvPicPr>
+            <a:picLocks noGrp="1" noChangeAspect="1"/>
+          </p:cNvPicPr>
+          <p:nvPr>
+            <p:ph idx="1"/>
+          </p:nvPr>
+        </p:nvPicPr>
+        <p:blipFill>
+          <a:blip r:embed="rId2">
+            <a:extLst>
+              <a:ext uri="{28A0092B-C50C-407E-A947-70E740481C1C}">
+                <a14:useLocalDpi xmlns:a14="http://schemas.microsoft.com/office/drawing/2010/main" val="0"/>
+              </a:ext>
+            </a:extLst>
+          </a:blip>
+          <a:stretch>
+            <a:fillRect/>
+          </a:stretch>
+        </p:blipFill>
+        <p:spPr>
+          <a:xfrm>
+            <a:off x="0" y="0"/>
+            <a:ext cx="12192000" cy="6858000"/>
+          </a:xfrm>
+        </p:spPr>
+      </p:pic>
+      <p:sp>
+        <p:nvSpPr>
+          <p:cNvPr id="8" name="文字方塊 7"/>
+          <p:cNvSpPr txBox="1"/>
+          <p:nvPr/>
+        </p:nvSpPr>
+        <p:spPr>
+          <a:xfrm>
+            <a:off x="16361" y="1636121"/>
+            <a:ext cx="12191999" cy="3949671"/>
+          </a:xfrm>
+          <a:prstGeom prst="rect">
+            <a:avLst/>
+          </a:prstGeom>
+          <a:noFill/>
+        </p:spPr>
+        <p:txBody>
+          <a:bodyPr wrap="square" rtlCol="0" anchor="ctr">
+            <a:spAutoFit/>
+          </a:bodyPr>
+          <a:lstStyle/>
+          <a:p>
+            <a:pPr algn="ctr"/>
+            <a:r>
+              <a:rPr lang="zh-CN" altLang="en-US" sz="6933" dirty="0">
+                <a:ln w="0"/>
+                <a:solidFill>
+                  <a:srgbClr val="FFFF00"/>
+                </a:solidFill>
+                <a:effectLst>
+                  <a:glow rad="139700">
+                    <a:schemeClr val="accent5">
+                      <a:satMod val="175000"/>
+                      <a:alpha val="40000"/>
+                    </a:schemeClr>
+                  </a:glow>
+                  <a:outerShdw blurRad="38100" dist="19050" dir="2700000" algn="tl" rotWithShape="0">
+                    <a:schemeClr val="dk1">
+                      <a:alpha val="40000"/>
+                    </a:schemeClr>
+                  </a:outerShdw>
+                </a:effectLst>
+                <a:latin typeface="標楷體" panose="03000509000000000000" pitchFamily="65" charset="-120"/>
+                <a:ea typeface="標楷體" panose="03000509000000000000" pitchFamily="65" charset="-120"/>
+                <a:cs typeface="Times New Roman" pitchFamily="18" charset="0"/>
+              </a:rPr>
+              <a:t>耶穌他愛你 所以他願</a:t>
+            </a:r>
+            <a:r>
+              <a:rPr lang="zh-CN" altLang="en-US" sz="6933" dirty="0" smtClean="0">
+                <a:ln w="0"/>
+                <a:solidFill>
+                  <a:srgbClr val="FFFF00"/>
+                </a:solidFill>
+                <a:effectLst>
+                  <a:glow rad="139700">
+                    <a:schemeClr val="accent5">
+                      <a:satMod val="175000"/>
+                      <a:alpha val="40000"/>
+                    </a:schemeClr>
+                  </a:glow>
+                  <a:outerShdw blurRad="38100" dist="19050" dir="2700000" algn="tl" rotWithShape="0">
+                    <a:schemeClr val="dk1">
+                      <a:alpha val="40000"/>
+                    </a:schemeClr>
+                  </a:outerShdw>
+                </a:effectLst>
+                <a:latin typeface="標楷體" panose="03000509000000000000" pitchFamily="65" charset="-120"/>
+                <a:ea typeface="標楷體" panose="03000509000000000000" pitchFamily="65" charset="-120"/>
+                <a:cs typeface="Times New Roman" pitchFamily="18" charset="0"/>
+              </a:rPr>
+              <a:t>意</a:t>
+            </a:r>
+            <a:endParaRPr lang="en-US" altLang="zh-CN" sz="6933" dirty="0" smtClean="0">
+              <a:ln w="0"/>
+              <a:solidFill>
+                <a:srgbClr val="FFFF00"/>
+              </a:solidFill>
+              <a:effectLst>
+                <a:glow rad="139700">
+                  <a:schemeClr val="accent5">
+                    <a:satMod val="175000"/>
+                    <a:alpha val="40000"/>
+                  </a:schemeClr>
+                </a:glow>
+                <a:outerShdw blurRad="38100" dist="19050" dir="2700000" algn="tl" rotWithShape="0">
+                  <a:schemeClr val="dk1">
+                    <a:alpha val="40000"/>
+                  </a:schemeClr>
+                </a:outerShdw>
+              </a:effectLst>
+              <a:latin typeface="標楷體" panose="03000509000000000000" pitchFamily="65" charset="-120"/>
+              <a:ea typeface="標楷體" panose="03000509000000000000" pitchFamily="65" charset="-120"/>
+              <a:cs typeface="Times New Roman" pitchFamily="18" charset="0"/>
+            </a:endParaRPr>
+          </a:p>
+          <a:p>
+            <a:pPr algn="ctr"/>
+            <a:r>
+              <a:rPr lang="zh-TW" altLang="en-US" sz="6933" dirty="0" smtClean="0">
+                <a:ln w="0"/>
+                <a:solidFill>
+                  <a:srgbClr val="FFFF00"/>
+                </a:solidFill>
+                <a:effectLst>
+                  <a:glow rad="139700">
+                    <a:schemeClr val="accent5">
+                      <a:satMod val="175000"/>
+                      <a:alpha val="40000"/>
+                    </a:schemeClr>
+                  </a:glow>
+                  <a:outerShdw blurRad="38100" dist="19050" dir="2700000" algn="tl" rotWithShape="0">
+                    <a:schemeClr val="dk1">
+                      <a:alpha val="40000"/>
+                    </a:schemeClr>
+                  </a:outerShdw>
+                </a:effectLst>
+                <a:latin typeface="標楷體" panose="03000509000000000000" pitchFamily="65" charset="-120"/>
+                <a:ea typeface="標楷體" panose="03000509000000000000" pitchFamily="65" charset="-120"/>
+                <a:cs typeface="Times New Roman" pitchFamily="18" charset="0"/>
+              </a:rPr>
+              <a:t>代</a:t>
+            </a:r>
+            <a:r>
+              <a:rPr lang="zh-TW" altLang="en-US" sz="6933" dirty="0">
+                <a:ln w="0"/>
+                <a:solidFill>
+                  <a:srgbClr val="FFFF00"/>
+                </a:solidFill>
+                <a:effectLst>
+                  <a:glow rad="139700">
+                    <a:schemeClr val="accent5">
+                      <a:satMod val="175000"/>
+                      <a:alpha val="40000"/>
+                    </a:schemeClr>
+                  </a:glow>
+                  <a:outerShdw blurRad="38100" dist="19050" dir="2700000" algn="tl" rotWithShape="0">
+                    <a:schemeClr val="dk1">
+                      <a:alpha val="40000"/>
+                    </a:schemeClr>
+                  </a:outerShdw>
+                </a:effectLst>
+                <a:latin typeface="標楷體" panose="03000509000000000000" pitchFamily="65" charset="-120"/>
+                <a:ea typeface="標楷體" panose="03000509000000000000" pitchFamily="65" charset="-120"/>
+                <a:cs typeface="Times New Roman" pitchFamily="18" charset="0"/>
+              </a:rPr>
+              <a:t>替你我的</a:t>
+            </a:r>
+            <a:r>
+              <a:rPr lang="zh-TW" altLang="en-US" sz="6933" dirty="0" smtClean="0">
+                <a:ln w="0"/>
+                <a:solidFill>
+                  <a:srgbClr val="FFFF00"/>
+                </a:solidFill>
+                <a:effectLst>
+                  <a:glow rad="139700">
+                    <a:schemeClr val="accent5">
+                      <a:satMod val="175000"/>
+                      <a:alpha val="40000"/>
+                    </a:schemeClr>
+                  </a:glow>
+                  <a:outerShdw blurRad="38100" dist="19050" dir="2700000" algn="tl" rotWithShape="0">
+                    <a:schemeClr val="dk1">
+                      <a:alpha val="40000"/>
+                    </a:schemeClr>
+                  </a:outerShdw>
+                </a:effectLst>
+                <a:latin typeface="標楷體" panose="03000509000000000000" pitchFamily="65" charset="-120"/>
+                <a:ea typeface="標楷體" panose="03000509000000000000" pitchFamily="65" charset="-120"/>
+                <a:cs typeface="Times New Roman" pitchFamily="18" charset="0"/>
+              </a:rPr>
+              <a:t>罪</a:t>
+            </a:r>
+            <a:endParaRPr lang="en-US" altLang="zh-TW" sz="6933" dirty="0" smtClean="0">
+              <a:ln w="0"/>
+              <a:solidFill>
+                <a:srgbClr val="FFFF00"/>
+              </a:solidFill>
+              <a:effectLst>
+                <a:glow rad="139700">
+                  <a:schemeClr val="accent5">
+                    <a:satMod val="175000"/>
+                    <a:alpha val="40000"/>
+                  </a:schemeClr>
+                </a:glow>
+                <a:outerShdw blurRad="38100" dist="19050" dir="2700000" algn="tl" rotWithShape="0">
+                  <a:schemeClr val="dk1">
+                    <a:alpha val="40000"/>
+                  </a:schemeClr>
+                </a:outerShdw>
+              </a:effectLst>
+              <a:latin typeface="標楷體" panose="03000509000000000000" pitchFamily="65" charset="-120"/>
+              <a:ea typeface="標楷體" panose="03000509000000000000" pitchFamily="65" charset="-120"/>
+              <a:cs typeface="Times New Roman" pitchFamily="18" charset="0"/>
+            </a:endParaRPr>
+          </a:p>
+          <a:p>
+            <a:pPr algn="ctr"/>
+            <a:r>
+              <a:rPr lang="zh-TW" altLang="en-US" sz="6933" dirty="0" smtClean="0">
+                <a:ln w="0"/>
+                <a:solidFill>
+                  <a:srgbClr val="FFFF00"/>
+                </a:solidFill>
+                <a:effectLst>
+                  <a:glow rad="139700">
+                    <a:schemeClr val="accent5">
+                      <a:satMod val="175000"/>
+                      <a:alpha val="40000"/>
+                    </a:schemeClr>
+                  </a:glow>
+                  <a:outerShdw blurRad="38100" dist="19050" dir="2700000" algn="tl" rotWithShape="0">
+                    <a:schemeClr val="dk1">
+                      <a:alpha val="40000"/>
+                    </a:schemeClr>
+                  </a:outerShdw>
+                </a:effectLst>
+                <a:latin typeface="標楷體" panose="03000509000000000000" pitchFamily="65" charset="-120"/>
+                <a:ea typeface="標楷體" panose="03000509000000000000" pitchFamily="65" charset="-120"/>
+                <a:cs typeface="Times New Roman" pitchFamily="18" charset="0"/>
+              </a:rPr>
+              <a:t>獻上他自己</a:t>
+            </a:r>
+            <a:endParaRPr lang="en-US" altLang="zh-TW" sz="4267" dirty="0">
+              <a:ln w="0"/>
+              <a:solidFill>
+                <a:srgbClr val="FFFF00"/>
+              </a:solidFill>
+              <a:effectLst>
+                <a:glow rad="139700">
+                  <a:schemeClr val="accent5">
+                    <a:satMod val="175000"/>
+                    <a:alpha val="40000"/>
+                  </a:schemeClr>
+                </a:glow>
+                <a:outerShdw blurRad="38100" dist="19050" dir="2700000" algn="tl" rotWithShape="0">
+                  <a:schemeClr val="dk1">
+                    <a:alpha val="40000"/>
+                  </a:schemeClr>
+                </a:outerShdw>
+              </a:effectLst>
+              <a:latin typeface="標楷體" panose="03000509000000000000" pitchFamily="65" charset="-120"/>
+              <a:ea typeface="標楷體" panose="03000509000000000000" pitchFamily="65" charset="-120"/>
+              <a:cs typeface="Times New Roman" pitchFamily="18" charset="0"/>
+            </a:endParaRPr>
+          </a:p>
+          <a:p>
+            <a:pPr algn="ctr"/>
+            <a:endParaRPr lang="zh-TW" altLang="en-US" sz="4267" b="1" dirty="0">
+              <a:ln w="10160">
+                <a:solidFill>
+                  <a:schemeClr val="accent5"/>
+                </a:solidFill>
+                <a:prstDash val="solid"/>
+              </a:ln>
+              <a:solidFill>
+                <a:schemeClr val="accent6">
+                  <a:lumMod val="75000"/>
+                </a:schemeClr>
+              </a:solidFill>
+              <a:effectLst>
+                <a:outerShdw blurRad="38100" dist="22860" dir="5400000" algn="tl" rotWithShape="0">
+                  <a:srgbClr val="000000">
+                    <a:alpha val="30000"/>
+                  </a:srgbClr>
+                </a:outerShdw>
+              </a:effectLst>
+              <a:latin typeface="Times New Roman" panose="02020603050405020304" pitchFamily="18" charset="0"/>
+              <a:cs typeface="Times New Roman" panose="02020603050405020304" pitchFamily="18" charset="0"/>
+            </a:endParaRPr>
+          </a:p>
+        </p:txBody>
+      </p:sp>
+    </p:spTree>
+    <p:extLst>
+      <p:ext uri="{BB962C8B-B14F-4D97-AF65-F5344CB8AC3E}">
+        <p14:creationId xmlns:p14="http://schemas.microsoft.com/office/powerpoint/2010/main" val="1108993515"/>
+      </p:ext>
+    </p:extLst>
+  </p:cSld>
+  <p:clrMapOvr>
+    <a:masterClrMapping/>
+  </p:clrMapOvr>
+  <p:timing>
+    <p:tnLst>
+      <p:par>
+        <p:cTn id="1" dur="indefinite" restart="never" nodeType="tmRoot"/>
+      </p:par>
+    </p:tnLst>
+  </p:timing>
+</p:sld>
+</file>
+
+<file path=ppt/slides/slide5.xml><?xml version="1.0" encoding="utf-8"?>
+<p:sld xmlns:a="http://schemas.openxmlformats.org/drawingml/2006/main" xmlns:r="http://schemas.openxmlformats.org/officeDocument/2006/relationships" xmlns:p="http://schemas.openxmlformats.org/presentationml/2006/main">
+  <p:cSld>
+    <p:spTree>
+      <p:nvGrpSpPr>
+        <p:cNvPr id="1" name=""/>
+        <p:cNvGrpSpPr/>
+        <p:nvPr/>
+      </p:nvGrpSpPr>
+      <p:grpSpPr>
+        <a:xfrm>
+          <a:off x="0" y="0"/>
+          <a:ext cx="0" cy="0"/>
+          <a:chOff x="0" y="0"/>
+          <a:chExt cx="0" cy="0"/>
+        </a:xfrm>
+      </p:grpSpPr>
+      <p:pic>
+        <p:nvPicPr>
+          <p:cNvPr id="4" name="內容版面配置區 3"/>
+          <p:cNvPicPr>
+            <a:picLocks noGrp="1" noChangeAspect="1"/>
+          </p:cNvPicPr>
+          <p:nvPr>
+            <p:ph idx="1"/>
+          </p:nvPr>
+        </p:nvPicPr>
+        <p:blipFill>
+          <a:blip r:embed="rId2">
+            <a:extLst>
+              <a:ext uri="{28A0092B-C50C-407E-A947-70E740481C1C}">
+                <a14:useLocalDpi xmlns:a14="http://schemas.microsoft.com/office/drawing/2010/main" val="0"/>
+              </a:ext>
+            </a:extLst>
+          </a:blip>
+          <a:stretch>
+            <a:fillRect/>
+          </a:stretch>
+        </p:blipFill>
+        <p:spPr>
+          <a:xfrm>
+            <a:off x="0" y="0"/>
+            <a:ext cx="12192000" cy="6858000"/>
+          </a:xfrm>
+        </p:spPr>
+      </p:pic>
+      <p:sp>
+        <p:nvSpPr>
+          <p:cNvPr id="8" name="文字方塊 7"/>
+          <p:cNvSpPr txBox="1"/>
+          <p:nvPr/>
+        </p:nvSpPr>
+        <p:spPr>
+          <a:xfrm>
+            <a:off x="1" y="1124744"/>
+            <a:ext cx="12192000" cy="3949671"/>
+          </a:xfrm>
+          <a:prstGeom prst="rect">
+            <a:avLst/>
+          </a:prstGeom>
+          <a:noFill/>
+        </p:spPr>
+        <p:txBody>
+          <a:bodyPr wrap="square" rtlCol="0" anchor="ctr">
+            <a:spAutoFit/>
+          </a:bodyPr>
+          <a:lstStyle/>
+          <a:p>
+            <a:pPr algn="ctr"/>
+            <a:r>
+              <a:rPr lang="zh-TW" altLang="en-US" sz="6933" dirty="0">
+                <a:ln w="0"/>
+                <a:solidFill>
+                  <a:srgbClr val="FFFF00"/>
+                </a:solidFill>
+                <a:effectLst>
+                  <a:glow rad="139700">
+                    <a:schemeClr val="accent5">
+                      <a:satMod val="175000"/>
+                      <a:alpha val="40000"/>
+                    </a:schemeClr>
+                  </a:glow>
+                  <a:outerShdw blurRad="38100" dist="19050" dir="2700000" algn="tl" rotWithShape="0">
+                    <a:schemeClr val="dk1">
+                      <a:alpha val="40000"/>
+                    </a:schemeClr>
+                  </a:outerShdw>
+                </a:effectLst>
+                <a:latin typeface="標楷體" panose="03000509000000000000" pitchFamily="65" charset="-120"/>
+                <a:ea typeface="標楷體" panose="03000509000000000000" pitchFamily="65" charset="-120"/>
+                <a:cs typeface="Times New Roman" pitchFamily="18" charset="0"/>
+              </a:rPr>
+              <a:t>耶穌他愛你 </a:t>
+            </a:r>
+            <a:endParaRPr lang="en-US" altLang="zh-TW" sz="6933" dirty="0" smtClean="0">
+              <a:ln w="0"/>
+              <a:solidFill>
+                <a:srgbClr val="FFFF00"/>
+              </a:solidFill>
+              <a:effectLst>
+                <a:glow rad="139700">
+                  <a:schemeClr val="accent5">
+                    <a:satMod val="175000"/>
+                    <a:alpha val="40000"/>
+                  </a:schemeClr>
+                </a:glow>
+                <a:outerShdw blurRad="38100" dist="19050" dir="2700000" algn="tl" rotWithShape="0">
+                  <a:schemeClr val="dk1">
+                    <a:alpha val="40000"/>
+                  </a:schemeClr>
+                </a:outerShdw>
+              </a:effectLst>
+              <a:latin typeface="標楷體" panose="03000509000000000000" pitchFamily="65" charset="-120"/>
+              <a:ea typeface="標楷體" panose="03000509000000000000" pitchFamily="65" charset="-120"/>
+              <a:cs typeface="Times New Roman" pitchFamily="18" charset="0"/>
+            </a:endParaRPr>
+          </a:p>
+          <a:p>
+            <a:pPr algn="ctr"/>
+            <a:r>
+              <a:rPr lang="zh-TW" altLang="en-US" sz="6933" dirty="0" smtClean="0">
+                <a:ln w="0"/>
+                <a:solidFill>
+                  <a:srgbClr val="FFFF00"/>
+                </a:solidFill>
+                <a:effectLst>
+                  <a:glow rad="139700">
+                    <a:schemeClr val="accent5">
+                      <a:satMod val="175000"/>
+                      <a:alpha val="40000"/>
+                    </a:schemeClr>
+                  </a:glow>
+                  <a:outerShdw blurRad="38100" dist="19050" dir="2700000" algn="tl" rotWithShape="0">
+                    <a:schemeClr val="dk1">
+                      <a:alpha val="40000"/>
+                    </a:schemeClr>
+                  </a:outerShdw>
+                </a:effectLst>
+                <a:latin typeface="標楷體" panose="03000509000000000000" pitchFamily="65" charset="-120"/>
+                <a:ea typeface="標楷體" panose="03000509000000000000" pitchFamily="65" charset="-120"/>
+                <a:cs typeface="Times New Roman" pitchFamily="18" charset="0"/>
+              </a:rPr>
+              <a:t>所</a:t>
+            </a:r>
+            <a:r>
+              <a:rPr lang="zh-TW" altLang="en-US" sz="6933" dirty="0">
+                <a:ln w="0"/>
+                <a:solidFill>
+                  <a:srgbClr val="FFFF00"/>
+                </a:solidFill>
+                <a:effectLst>
+                  <a:glow rad="139700">
+                    <a:schemeClr val="accent5">
+                      <a:satMod val="175000"/>
+                      <a:alpha val="40000"/>
+                    </a:schemeClr>
+                  </a:glow>
+                  <a:outerShdw blurRad="38100" dist="19050" dir="2700000" algn="tl" rotWithShape="0">
+                    <a:schemeClr val="dk1">
+                      <a:alpha val="40000"/>
+                    </a:schemeClr>
+                  </a:outerShdw>
+                </a:effectLst>
+                <a:latin typeface="標楷體" panose="03000509000000000000" pitchFamily="65" charset="-120"/>
+                <a:ea typeface="標楷體" panose="03000509000000000000" pitchFamily="65" charset="-120"/>
+                <a:cs typeface="Times New Roman" pitchFamily="18" charset="0"/>
+              </a:rPr>
+              <a:t>以有聖誕</a:t>
+            </a:r>
+            <a:r>
+              <a:rPr lang="zh-TW" altLang="en-US" sz="6933" dirty="0" smtClean="0">
+                <a:ln w="0"/>
+                <a:solidFill>
+                  <a:srgbClr val="FFFF00"/>
+                </a:solidFill>
+                <a:effectLst>
+                  <a:glow rad="139700">
+                    <a:schemeClr val="accent5">
+                      <a:satMod val="175000"/>
+                      <a:alpha val="40000"/>
+                    </a:schemeClr>
+                  </a:glow>
+                  <a:outerShdw blurRad="38100" dist="19050" dir="2700000" algn="tl" rotWithShape="0">
+                    <a:schemeClr val="dk1">
+                      <a:alpha val="40000"/>
+                    </a:schemeClr>
+                  </a:outerShdw>
+                </a:effectLst>
+                <a:latin typeface="標楷體" panose="03000509000000000000" pitchFamily="65" charset="-120"/>
+                <a:ea typeface="標楷體" panose="03000509000000000000" pitchFamily="65" charset="-120"/>
+                <a:cs typeface="Times New Roman" pitchFamily="18" charset="0"/>
+              </a:rPr>
+              <a:t>節</a:t>
+            </a:r>
+            <a:endParaRPr lang="en-US" altLang="zh-TW" sz="6933" dirty="0" smtClean="0">
+              <a:ln w="0"/>
+              <a:solidFill>
+                <a:srgbClr val="FFFF00"/>
+              </a:solidFill>
+              <a:effectLst>
+                <a:glow rad="139700">
+                  <a:schemeClr val="accent5">
+                    <a:satMod val="175000"/>
+                    <a:alpha val="40000"/>
+                  </a:schemeClr>
+                </a:glow>
+                <a:outerShdw blurRad="38100" dist="19050" dir="2700000" algn="tl" rotWithShape="0">
+                  <a:schemeClr val="dk1">
+                    <a:alpha val="40000"/>
+                  </a:schemeClr>
+                </a:outerShdw>
+              </a:effectLst>
+              <a:latin typeface="標楷體" panose="03000509000000000000" pitchFamily="65" charset="-120"/>
+              <a:ea typeface="標楷體" panose="03000509000000000000" pitchFamily="65" charset="-120"/>
+              <a:cs typeface="Times New Roman" pitchFamily="18" charset="0"/>
+            </a:endParaRPr>
+          </a:p>
+          <a:p>
+            <a:pPr algn="ctr"/>
+            <a:r>
+              <a:rPr lang="zh-TW" altLang="en-US" sz="6933" dirty="0" smtClean="0">
+                <a:ln w="0"/>
+                <a:solidFill>
+                  <a:srgbClr val="FFFF00"/>
+                </a:solidFill>
+                <a:effectLst>
+                  <a:glow rad="139700">
+                    <a:schemeClr val="accent5">
+                      <a:satMod val="175000"/>
+                      <a:alpha val="40000"/>
+                    </a:schemeClr>
+                  </a:glow>
+                  <a:outerShdw blurRad="38100" dist="19050" dir="2700000" algn="tl" rotWithShape="0">
+                    <a:schemeClr val="dk1">
+                      <a:alpha val="40000"/>
+                    </a:schemeClr>
+                  </a:outerShdw>
+                </a:effectLst>
+                <a:latin typeface="標楷體" panose="03000509000000000000" pitchFamily="65" charset="-120"/>
+                <a:ea typeface="標楷體" panose="03000509000000000000" pitchFamily="65" charset="-120"/>
+                <a:cs typeface="Times New Roman" pitchFamily="18" charset="0"/>
+              </a:rPr>
+              <a:t>他</a:t>
+            </a:r>
+            <a:r>
+              <a:rPr lang="zh-TW" altLang="en-US" sz="6933" dirty="0">
+                <a:ln w="0"/>
+                <a:solidFill>
+                  <a:srgbClr val="FFFF00"/>
+                </a:solidFill>
+                <a:effectLst>
+                  <a:glow rad="139700">
+                    <a:schemeClr val="accent5">
+                      <a:satMod val="175000"/>
+                      <a:alpha val="40000"/>
+                    </a:schemeClr>
+                  </a:glow>
+                  <a:outerShdw blurRad="38100" dist="19050" dir="2700000" algn="tl" rotWithShape="0">
+                    <a:schemeClr val="dk1">
+                      <a:alpha val="40000"/>
+                    </a:schemeClr>
+                  </a:outerShdw>
+                </a:effectLst>
+                <a:latin typeface="標楷體" panose="03000509000000000000" pitchFamily="65" charset="-120"/>
+                <a:ea typeface="標楷體" panose="03000509000000000000" pitchFamily="65" charset="-120"/>
+                <a:cs typeface="Times New Roman" pitchFamily="18" charset="0"/>
+              </a:rPr>
+              <a:t>要把愛的禮物送給</a:t>
+            </a:r>
+            <a:r>
+              <a:rPr lang="zh-TW" altLang="en-US" sz="6933" dirty="0" smtClean="0">
+                <a:ln w="0"/>
+                <a:solidFill>
+                  <a:srgbClr val="FFFF00"/>
+                </a:solidFill>
+                <a:effectLst>
+                  <a:glow rad="139700">
+                    <a:schemeClr val="accent5">
+                      <a:satMod val="175000"/>
+                      <a:alpha val="40000"/>
+                    </a:schemeClr>
+                  </a:glow>
+                  <a:outerShdw blurRad="38100" dist="19050" dir="2700000" algn="tl" rotWithShape="0">
+                    <a:schemeClr val="dk1">
+                      <a:alpha val="40000"/>
+                    </a:schemeClr>
+                  </a:outerShdw>
+                </a:effectLst>
+                <a:latin typeface="標楷體" panose="03000509000000000000" pitchFamily="65" charset="-120"/>
+                <a:ea typeface="標楷體" panose="03000509000000000000" pitchFamily="65" charset="-120"/>
+                <a:cs typeface="Times New Roman" pitchFamily="18" charset="0"/>
+              </a:rPr>
+              <a:t>你</a:t>
+            </a:r>
+            <a:endParaRPr lang="en-US" altLang="zh-TW" sz="4267" dirty="0">
+              <a:ln w="0"/>
+              <a:solidFill>
+                <a:srgbClr val="FFFF00"/>
+              </a:solidFill>
+              <a:effectLst>
+                <a:glow rad="139700">
+                  <a:schemeClr val="accent5">
+                    <a:satMod val="175000"/>
+                    <a:alpha val="40000"/>
+                  </a:schemeClr>
+                </a:glow>
+                <a:outerShdw blurRad="38100" dist="19050" dir="2700000" algn="tl" rotWithShape="0">
+                  <a:schemeClr val="dk1">
+                    <a:alpha val="40000"/>
+                  </a:schemeClr>
+                </a:outerShdw>
+              </a:effectLst>
+              <a:latin typeface="標楷體" panose="03000509000000000000" pitchFamily="65" charset="-120"/>
+              <a:ea typeface="標楷體" panose="03000509000000000000" pitchFamily="65" charset="-120"/>
+              <a:cs typeface="Times New Roman" pitchFamily="18" charset="0"/>
+            </a:endParaRPr>
+          </a:p>
+          <a:p>
+            <a:pPr algn="ctr"/>
+            <a:endParaRPr lang="zh-TW" altLang="en-US" sz="4267" b="1" dirty="0">
+              <a:ln w="10160">
+                <a:solidFill>
+                  <a:schemeClr val="accent5"/>
+                </a:solidFill>
+                <a:prstDash val="solid"/>
+              </a:ln>
+              <a:solidFill>
+                <a:schemeClr val="accent6">
+                  <a:lumMod val="75000"/>
+                </a:schemeClr>
+              </a:solidFill>
+              <a:effectLst>
+                <a:outerShdw blurRad="38100" dist="22860" dir="5400000" algn="tl" rotWithShape="0">
+                  <a:srgbClr val="000000">
+                    <a:alpha val="30000"/>
+                  </a:srgbClr>
+                </a:outerShdw>
+              </a:effectLst>
+              <a:latin typeface="Times New Roman" panose="02020603050405020304" pitchFamily="18" charset="0"/>
+              <a:cs typeface="Times New Roman" panose="02020603050405020304" pitchFamily="18" charset="0"/>
+            </a:endParaRPr>
+          </a:p>
+        </p:txBody>
+      </p:sp>
+    </p:spTree>
+    <p:extLst>
+      <p:ext uri="{BB962C8B-B14F-4D97-AF65-F5344CB8AC3E}">
+        <p14:creationId xmlns:p14="http://schemas.microsoft.com/office/powerpoint/2010/main" val="745797014"/>
+      </p:ext>
+    </p:extLst>
+  </p:cSld>
+  <p:clrMapOvr>
+    <a:masterClrMapping/>
+  </p:clrMapOvr>
+  <p:timing>
+    <p:tnLst>
+      <p:par>
+        <p:cTn id="1" dur="indefinite" restart="never" nodeType="tmRoot"/>
+      </p:par>
+    </p:tnLst>
+  </p:timing>
+</p:sld>
+</file>
+
+<file path=ppt/slides/slide6.xml><?xml version="1.0" encoding="utf-8"?>
+<p:sld xmlns:a="http://schemas.openxmlformats.org/drawingml/2006/main" xmlns:r="http://schemas.openxmlformats.org/officeDocument/2006/relationships" xmlns:p="http://schemas.openxmlformats.org/presentationml/2006/main">
+  <p:cSld>
+    <p:spTree>
+      <p:nvGrpSpPr>
+        <p:cNvPr id="1" name=""/>
+        <p:cNvGrpSpPr/>
+        <p:nvPr/>
+      </p:nvGrpSpPr>
+      <p:grpSpPr>
+        <a:xfrm>
+          <a:off x="0" y="0"/>
+          <a:ext cx="0" cy="0"/>
+          <a:chOff x="0" y="0"/>
+          <a:chExt cx="0" cy="0"/>
+        </a:xfrm>
+      </p:grpSpPr>
+      <p:pic>
+        <p:nvPicPr>
+          <p:cNvPr id="4" name="內容版面配置區 3"/>
+          <p:cNvPicPr>
+            <a:picLocks noGrp="1" noChangeAspect="1"/>
+          </p:cNvPicPr>
+          <p:nvPr>
+            <p:ph idx="1"/>
+          </p:nvPr>
+        </p:nvPicPr>
+        <p:blipFill>
+          <a:blip r:embed="rId2">
+            <a:extLst>
+              <a:ext uri="{28A0092B-C50C-407E-A947-70E740481C1C}">
+                <a14:useLocalDpi xmlns:a14="http://schemas.microsoft.com/office/drawing/2010/main" val="0"/>
+              </a:ext>
+            </a:extLst>
+          </a:blip>
+          <a:stretch>
+            <a:fillRect/>
+          </a:stretch>
+        </p:blipFill>
+        <p:spPr>
+          <a:xfrm>
+            <a:off x="0" y="-46801"/>
+            <a:ext cx="12192000" cy="6999732"/>
+          </a:xfrm>
+        </p:spPr>
+      </p:pic>
+      <p:sp>
+        <p:nvSpPr>
+          <p:cNvPr id="8" name="文字方塊 7"/>
+          <p:cNvSpPr txBox="1"/>
+          <p:nvPr/>
+        </p:nvSpPr>
+        <p:spPr>
+          <a:xfrm>
+            <a:off x="-240704" y="521064"/>
+            <a:ext cx="12191999" cy="3662541"/>
+          </a:xfrm>
+          <a:prstGeom prst="rect">
+            <a:avLst/>
+          </a:prstGeom>
+          <a:noFill/>
+        </p:spPr>
+        <p:txBody>
+          <a:bodyPr wrap="square" rtlCol="0" anchor="ctr">
+            <a:spAutoFit/>
+          </a:bodyPr>
+          <a:lstStyle/>
+          <a:p>
+            <a:pPr algn="ctr"/>
+            <a:r>
+              <a:rPr lang="zh-CN" altLang="en-US" sz="8000" b="1" dirty="0">
+                <a:ln w="22225">
+                  <a:solidFill>
+                    <a:srgbClr val="FF0000"/>
+                  </a:solidFill>
+                  <a:prstDash val="solid"/>
+                </a:ln>
+                <a:solidFill>
+                  <a:schemeClr val="accent1">
+                    <a:lumMod val="20000"/>
+                    <a:lumOff val="80000"/>
+                  </a:schemeClr>
+                </a:solidFill>
+                <a:effectLst>
+                  <a:glow rad="139700">
+                    <a:schemeClr val="accent2">
+                      <a:satMod val="175000"/>
+                      <a:alpha val="40000"/>
+                    </a:schemeClr>
+                  </a:glow>
+                </a:effectLst>
+                <a:latin typeface="標楷體" panose="03000509000000000000" pitchFamily="65" charset="-120"/>
+                <a:ea typeface="標楷體" panose="03000509000000000000" pitchFamily="65" charset="-120"/>
+              </a:rPr>
+              <a:t>所以唱</a:t>
+            </a:r>
+            <a:r>
+              <a:rPr lang="zh-TW" altLang="en-US" sz="8000" b="1" dirty="0">
+                <a:ln w="22225">
+                  <a:solidFill>
+                    <a:srgbClr val="FF0000"/>
+                  </a:solidFill>
+                  <a:prstDash val="solid"/>
+                </a:ln>
+                <a:solidFill>
+                  <a:schemeClr val="accent1">
+                    <a:lumMod val="20000"/>
+                    <a:lumOff val="80000"/>
+                  </a:schemeClr>
+                </a:solidFill>
+                <a:effectLst>
+                  <a:glow rad="139700">
+                    <a:schemeClr val="accent2">
+                      <a:satMod val="175000"/>
+                      <a:alpha val="40000"/>
+                    </a:schemeClr>
+                  </a:glow>
+                </a:effectLst>
+                <a:latin typeface="標楷體" panose="03000509000000000000" pitchFamily="65" charset="-120"/>
+                <a:ea typeface="標楷體" panose="03000509000000000000" pitchFamily="65" charset="-120"/>
+              </a:rPr>
+              <a:t>叮</a:t>
+            </a:r>
+            <a:r>
+              <a:rPr lang="zh-TW" altLang="en-US" sz="8000" b="1" dirty="0">
+                <a:ln w="22225">
+                  <a:solidFill>
+                    <a:srgbClr val="FF0000"/>
+                  </a:solidFill>
+                  <a:prstDash val="solid"/>
+                </a:ln>
+                <a:solidFill>
+                  <a:schemeClr val="accent1">
+                    <a:lumMod val="20000"/>
+                    <a:lumOff val="80000"/>
+                  </a:schemeClr>
+                </a:solidFill>
+                <a:effectLst>
+                  <a:glow rad="139700">
+                    <a:schemeClr val="accent2">
+                      <a:satMod val="175000"/>
+                      <a:alpha val="40000"/>
+                    </a:schemeClr>
+                  </a:glow>
+                </a:effectLst>
+                <a:latin typeface="標楷體" panose="03000509000000000000" pitchFamily="65" charset="-120"/>
+                <a:ea typeface="標楷體" panose="03000509000000000000" pitchFamily="65" charset="-120"/>
+              </a:rPr>
+              <a:t>叮</a:t>
+            </a:r>
+            <a:r>
+              <a:rPr lang="zh-TW" altLang="en-US" sz="8000" b="1" dirty="0" smtClean="0">
+                <a:ln w="22225">
+                  <a:solidFill>
+                    <a:srgbClr val="FF0000"/>
+                  </a:solidFill>
+                  <a:prstDash val="solid"/>
+                </a:ln>
+                <a:solidFill>
+                  <a:schemeClr val="accent1">
+                    <a:lumMod val="20000"/>
+                    <a:lumOff val="80000"/>
+                  </a:schemeClr>
+                </a:solidFill>
+                <a:effectLst>
+                  <a:glow rad="139700">
+                    <a:schemeClr val="accent2">
+                      <a:satMod val="175000"/>
+                      <a:alpha val="40000"/>
+                    </a:schemeClr>
+                  </a:glow>
+                </a:effectLst>
+                <a:latin typeface="標楷體" panose="03000509000000000000" pitchFamily="65" charset="-120"/>
+                <a:ea typeface="標楷體" panose="03000509000000000000" pitchFamily="65" charset="-120"/>
+              </a:rPr>
+              <a:t>噹</a:t>
+            </a:r>
+            <a:endParaRPr lang="en-US" altLang="zh-TW" sz="8000" b="1" dirty="0" smtClean="0">
+              <a:ln w="22225">
+                <a:solidFill>
+                  <a:srgbClr val="FF0000"/>
+                </a:solidFill>
+                <a:prstDash val="solid"/>
+              </a:ln>
+              <a:solidFill>
+                <a:schemeClr val="accent1">
+                  <a:lumMod val="20000"/>
+                  <a:lumOff val="80000"/>
+                </a:schemeClr>
+              </a:solidFill>
+              <a:effectLst>
+                <a:glow rad="139700">
+                  <a:schemeClr val="accent2">
+                    <a:satMod val="175000"/>
+                    <a:alpha val="40000"/>
+                  </a:schemeClr>
+                </a:glow>
+              </a:effectLst>
+              <a:latin typeface="標楷體" panose="03000509000000000000" pitchFamily="65" charset="-120"/>
+              <a:ea typeface="標楷體" panose="03000509000000000000" pitchFamily="65" charset="-120"/>
+            </a:endParaRPr>
+          </a:p>
+          <a:p>
+            <a:pPr algn="ctr"/>
+            <a:r>
+              <a:rPr lang="zh-TW" altLang="en-US" sz="7200" b="1" dirty="0" smtClean="0">
+                <a:ln w="22225">
+                  <a:solidFill>
+                    <a:srgbClr val="FF0000"/>
+                  </a:solidFill>
+                  <a:prstDash val="solid"/>
+                </a:ln>
+                <a:solidFill>
+                  <a:schemeClr val="accent1">
+                    <a:lumMod val="20000"/>
+                    <a:lumOff val="80000"/>
+                  </a:schemeClr>
+                </a:solidFill>
+                <a:effectLst>
+                  <a:glow rad="139700">
+                    <a:schemeClr val="accent2">
+                      <a:satMod val="175000"/>
+                      <a:alpha val="40000"/>
+                    </a:schemeClr>
+                  </a:glow>
+                </a:effectLst>
+                <a:latin typeface="標楷體" panose="03000509000000000000" pitchFamily="65" charset="-120"/>
+                <a:ea typeface="標楷體" panose="03000509000000000000" pitchFamily="65" charset="-120"/>
+              </a:rPr>
+              <a:t>叮</a:t>
+            </a:r>
+            <a:r>
+              <a:rPr lang="zh-TW" altLang="en-US" sz="7200" b="1" dirty="0">
+                <a:ln w="22225">
+                  <a:solidFill>
+                    <a:srgbClr val="FF0000"/>
+                  </a:solidFill>
+                  <a:prstDash val="solid"/>
+                </a:ln>
+                <a:solidFill>
+                  <a:schemeClr val="accent1">
+                    <a:lumMod val="20000"/>
+                    <a:lumOff val="80000"/>
+                  </a:schemeClr>
+                </a:solidFill>
+                <a:effectLst>
+                  <a:glow rad="139700">
+                    <a:schemeClr val="accent2">
+                      <a:satMod val="175000"/>
+                      <a:alpha val="40000"/>
+                    </a:schemeClr>
+                  </a:glow>
+                </a:effectLst>
+                <a:latin typeface="標楷體" panose="03000509000000000000" pitchFamily="65" charset="-120"/>
+                <a:ea typeface="標楷體" panose="03000509000000000000" pitchFamily="65" charset="-120"/>
+              </a:rPr>
+              <a:t>叮</a:t>
+            </a:r>
+            <a:r>
+              <a:rPr lang="zh-TW" altLang="en-US" sz="7200" b="1" dirty="0" smtClean="0">
+                <a:ln w="22225">
+                  <a:solidFill>
+                    <a:srgbClr val="FF0000"/>
+                  </a:solidFill>
+                  <a:prstDash val="solid"/>
+                </a:ln>
+                <a:solidFill>
+                  <a:schemeClr val="accent1">
+                    <a:lumMod val="20000"/>
+                    <a:lumOff val="80000"/>
+                  </a:schemeClr>
+                </a:solidFill>
+                <a:effectLst>
+                  <a:glow rad="139700">
+                    <a:schemeClr val="accent2">
+                      <a:satMod val="175000"/>
+                      <a:alpha val="40000"/>
+                    </a:schemeClr>
+                  </a:glow>
+                </a:effectLst>
+                <a:latin typeface="標楷體" panose="03000509000000000000" pitchFamily="65" charset="-120"/>
+                <a:ea typeface="標楷體" panose="03000509000000000000" pitchFamily="65" charset="-120"/>
+              </a:rPr>
+              <a:t>噹</a:t>
+            </a:r>
+            <a:endParaRPr lang="en-US" altLang="zh-TW" sz="7200" b="1" dirty="0">
+              <a:ln w="22225">
+                <a:solidFill>
+                  <a:srgbClr val="FF0000"/>
+                </a:solidFill>
+                <a:prstDash val="solid"/>
+              </a:ln>
+              <a:solidFill>
+                <a:schemeClr val="accent1">
+                  <a:lumMod val="20000"/>
+                  <a:lumOff val="80000"/>
+                </a:schemeClr>
+              </a:solidFill>
+              <a:effectLst>
+                <a:glow rad="139700">
+                  <a:schemeClr val="accent2">
+                    <a:satMod val="175000"/>
+                    <a:alpha val="40000"/>
+                  </a:schemeClr>
+                </a:glow>
+              </a:effectLst>
+              <a:latin typeface="標楷體" panose="03000509000000000000" pitchFamily="65" charset="-120"/>
+              <a:ea typeface="標楷體" panose="03000509000000000000" pitchFamily="65" charset="-120"/>
+            </a:endParaRPr>
+          </a:p>
+          <a:p>
+            <a:pPr algn="ctr"/>
+            <a:r>
+              <a:rPr lang="zh-TW" altLang="en-US" sz="8000" b="1" dirty="0" smtClean="0">
+                <a:ln w="22225">
+                  <a:solidFill>
+                    <a:srgbClr val="FF0000"/>
+                  </a:solidFill>
+                  <a:prstDash val="solid"/>
+                </a:ln>
+                <a:solidFill>
+                  <a:schemeClr val="accent1">
+                    <a:lumMod val="20000"/>
+                    <a:lumOff val="80000"/>
+                  </a:schemeClr>
+                </a:solidFill>
+                <a:effectLst>
+                  <a:glow rad="139700">
+                    <a:schemeClr val="accent2">
+                      <a:satMod val="175000"/>
+                      <a:alpha val="40000"/>
+                    </a:schemeClr>
+                  </a:glow>
+                </a:effectLst>
+                <a:latin typeface="標楷體" panose="03000509000000000000" pitchFamily="65" charset="-120"/>
+                <a:ea typeface="標楷體" panose="03000509000000000000" pitchFamily="65" charset="-120"/>
+              </a:rPr>
+              <a:t>鈴</a:t>
+            </a:r>
+            <a:r>
+              <a:rPr lang="zh-TW" altLang="en-US" sz="8000" b="1" dirty="0">
+                <a:ln w="22225">
+                  <a:solidFill>
+                    <a:srgbClr val="FF0000"/>
+                  </a:solidFill>
+                  <a:prstDash val="solid"/>
+                </a:ln>
+                <a:solidFill>
+                  <a:schemeClr val="accent1">
+                    <a:lumMod val="20000"/>
+                    <a:lumOff val="80000"/>
+                  </a:schemeClr>
+                </a:solidFill>
+                <a:effectLst>
+                  <a:glow rad="139700">
+                    <a:schemeClr val="accent2">
+                      <a:satMod val="175000"/>
+                      <a:alpha val="40000"/>
+                    </a:schemeClr>
+                  </a:glow>
+                </a:effectLst>
+                <a:latin typeface="標楷體" panose="03000509000000000000" pitchFamily="65" charset="-120"/>
+                <a:ea typeface="標楷體" panose="03000509000000000000" pitchFamily="65" charset="-120"/>
+              </a:rPr>
+              <a:t>聲</a:t>
+            </a:r>
+            <a:r>
+              <a:rPr lang="zh-TW" altLang="en-US" sz="8000" b="1" dirty="0">
+                <a:ln w="22225">
+                  <a:solidFill>
+                    <a:srgbClr val="FF0000"/>
+                  </a:solidFill>
+                  <a:prstDash val="solid"/>
+                </a:ln>
+                <a:solidFill>
+                  <a:schemeClr val="accent1">
+                    <a:lumMod val="20000"/>
+                    <a:lumOff val="80000"/>
+                  </a:schemeClr>
+                </a:solidFill>
+                <a:effectLst>
+                  <a:glow rad="139700">
+                    <a:schemeClr val="accent2">
+                      <a:satMod val="175000"/>
+                      <a:alpha val="40000"/>
+                    </a:schemeClr>
+                  </a:glow>
+                </a:effectLst>
+                <a:latin typeface="標楷體" panose="03000509000000000000" pitchFamily="65" charset="-120"/>
+                <a:ea typeface="標楷體" panose="03000509000000000000" pitchFamily="65" charset="-120"/>
+              </a:rPr>
+              <a:t>多</a:t>
+            </a:r>
+            <a:r>
+              <a:rPr lang="zh-TW" altLang="en-US" sz="8000" b="1" dirty="0">
+                <a:ln w="22225">
+                  <a:solidFill>
+                    <a:srgbClr val="FF0000"/>
+                  </a:solidFill>
+                  <a:prstDash val="solid"/>
+                </a:ln>
+                <a:solidFill>
+                  <a:schemeClr val="accent1">
+                    <a:lumMod val="20000"/>
+                    <a:lumOff val="80000"/>
+                  </a:schemeClr>
+                </a:solidFill>
+                <a:effectLst>
+                  <a:glow rad="139700">
+                    <a:schemeClr val="accent2">
+                      <a:satMod val="175000"/>
+                      <a:alpha val="40000"/>
+                    </a:schemeClr>
+                  </a:glow>
+                </a:effectLst>
+                <a:latin typeface="標楷體" panose="03000509000000000000" pitchFamily="65" charset="-120"/>
+                <a:ea typeface="標楷體" panose="03000509000000000000" pitchFamily="65" charset="-120"/>
+              </a:rPr>
+              <a:t>響</a:t>
+            </a:r>
+            <a:r>
+              <a:rPr lang="zh-TW" altLang="en-US" sz="8000" b="1" dirty="0" smtClean="0">
+                <a:ln w="22225">
+                  <a:solidFill>
+                    <a:srgbClr val="FF0000"/>
+                  </a:solidFill>
+                  <a:prstDash val="solid"/>
+                </a:ln>
+                <a:solidFill>
+                  <a:schemeClr val="accent1">
+                    <a:lumMod val="20000"/>
+                    <a:lumOff val="80000"/>
+                  </a:schemeClr>
+                </a:solidFill>
+                <a:effectLst>
+                  <a:glow rad="139700">
+                    <a:schemeClr val="accent2">
+                      <a:satMod val="175000"/>
+                      <a:alpha val="40000"/>
+                    </a:schemeClr>
+                  </a:glow>
+                </a:effectLst>
+                <a:latin typeface="標楷體" panose="03000509000000000000" pitchFamily="65" charset="-120"/>
+                <a:ea typeface="標楷體" panose="03000509000000000000" pitchFamily="65" charset="-120"/>
+              </a:rPr>
+              <a:t>亮</a:t>
+            </a:r>
+            <a:endParaRPr lang="zh-TW" altLang="en-US" sz="4267" b="1" dirty="0">
+              <a:ln w="10160">
+                <a:solidFill>
+                  <a:schemeClr val="accent5"/>
+                </a:solidFill>
+                <a:prstDash val="solid"/>
+              </a:ln>
+              <a:solidFill>
+                <a:schemeClr val="accent6">
+                  <a:lumMod val="75000"/>
+                </a:schemeClr>
+              </a:solidFill>
+              <a:effectLst>
+                <a:glow rad="139700">
+                  <a:schemeClr val="accent2">
+                    <a:satMod val="175000"/>
+                    <a:alpha val="40000"/>
+                  </a:schemeClr>
+                </a:glow>
+              </a:effectLst>
+              <a:latin typeface="Times New Roman" panose="02020603050405020304" pitchFamily="18" charset="0"/>
+              <a:cs typeface="Times New Roman" panose="02020603050405020304" pitchFamily="18" charset="0"/>
+            </a:endParaRPr>
+          </a:p>
+        </p:txBody>
+      </p:sp>
+    </p:spTree>
+    <p:extLst>
+      <p:ext uri="{BB962C8B-B14F-4D97-AF65-F5344CB8AC3E}">
+        <p14:creationId xmlns:p14="http://schemas.microsoft.com/office/powerpoint/2010/main" val="1020465816"/>
+      </p:ext>
+    </p:extLst>
+  </p:cSld>
+  <p:clrMapOvr>
+    <a:masterClrMapping/>
+  </p:clrMapOvr>
+  <p:timing>
+    <p:tnLst>
+      <p:par>
+        <p:cTn id="1" dur="indefinite" restart="never" nodeType="tmRoot"/>
+      </p:par>
+    </p:tnLst>
+  </p:timing>
+</p:sld>
+</file>
+
+<file path=ppt/slides/slide7.xml><?xml version="1.0" encoding="utf-8"?>
+<p:sld xmlns:a="http://schemas.openxmlformats.org/drawingml/2006/main" xmlns:r="http://schemas.openxmlformats.org/officeDocument/2006/relationships" xmlns:p="http://schemas.openxmlformats.org/presentationml/2006/main">
+  <p:cSld>
+    <p:spTree>
+      <p:nvGrpSpPr>
+        <p:cNvPr id="1" name=""/>
+        <p:cNvGrpSpPr/>
+        <p:nvPr/>
+      </p:nvGrpSpPr>
+      <p:grpSpPr>
+        <a:xfrm>
+          <a:off x="0" y="0"/>
+          <a:ext cx="0" cy="0"/>
+          <a:chOff x="0" y="0"/>
+          <a:chExt cx="0" cy="0"/>
+        </a:xfrm>
+      </p:grpSpPr>
+      <p:pic>
+        <p:nvPicPr>
+          <p:cNvPr id="4" name="內容版面配置區 3"/>
+          <p:cNvPicPr>
+            <a:picLocks noGrp="1" noChangeAspect="1"/>
+          </p:cNvPicPr>
+          <p:nvPr>
+            <p:ph idx="1"/>
+          </p:nvPr>
+        </p:nvPicPr>
+        <p:blipFill>
+          <a:blip r:embed="rId2">
+            <a:extLst>
+              <a:ext uri="{28A0092B-C50C-407E-A947-70E740481C1C}">
+                <a14:useLocalDpi xmlns:a14="http://schemas.microsoft.com/office/drawing/2010/main" val="0"/>
+              </a:ext>
+            </a:extLst>
+          </a:blip>
+          <a:stretch>
+            <a:fillRect/>
+          </a:stretch>
+        </p:blipFill>
+        <p:spPr>
+          <a:xfrm>
+            <a:off x="0" y="-46801"/>
+            <a:ext cx="12192000" cy="6999732"/>
+          </a:xfrm>
+        </p:spPr>
+      </p:pic>
+      <p:sp>
+        <p:nvSpPr>
+          <p:cNvPr id="8" name="文字方塊 7"/>
+          <p:cNvSpPr txBox="1"/>
+          <p:nvPr/>
+        </p:nvSpPr>
+        <p:spPr>
+          <a:xfrm>
+            <a:off x="-240704" y="787805"/>
+            <a:ext cx="12191999" cy="3785652"/>
+          </a:xfrm>
+          <a:prstGeom prst="rect">
+            <a:avLst/>
+          </a:prstGeom>
+          <a:noFill/>
+        </p:spPr>
+        <p:txBody>
+          <a:bodyPr wrap="square" rtlCol="0" anchor="ctr">
+            <a:spAutoFit/>
+          </a:bodyPr>
+          <a:lstStyle/>
+          <a:p>
+            <a:pPr algn="ctr"/>
+            <a:r>
+              <a:rPr lang="zh-TW" altLang="en-US" sz="8000" b="1" dirty="0">
+                <a:ln w="22225">
+                  <a:solidFill>
+                    <a:srgbClr val="FF0000"/>
+                  </a:solidFill>
+                  <a:prstDash val="solid"/>
+                </a:ln>
+                <a:solidFill>
+                  <a:schemeClr val="accent1">
+                    <a:lumMod val="20000"/>
+                    <a:lumOff val="80000"/>
+                  </a:schemeClr>
+                </a:solidFill>
+                <a:effectLst>
+                  <a:glow rad="139700">
+                    <a:schemeClr val="accent2">
+                      <a:satMod val="175000"/>
+                      <a:alpha val="40000"/>
+                    </a:schemeClr>
+                  </a:glow>
+                </a:effectLst>
+                <a:latin typeface="標楷體" panose="03000509000000000000" pitchFamily="65" charset="-120"/>
+                <a:ea typeface="標楷體" panose="03000509000000000000" pitchFamily="65" charset="-120"/>
+              </a:rPr>
+              <a:t>你看他</a:t>
+            </a:r>
+            <a:r>
+              <a:rPr lang="zh-TW" altLang="en-US" sz="8000" b="1" dirty="0">
+                <a:ln w="22225">
+                  <a:solidFill>
+                    <a:srgbClr val="FF0000"/>
+                  </a:solidFill>
+                  <a:prstDash val="solid"/>
+                </a:ln>
+                <a:solidFill>
+                  <a:schemeClr val="accent1">
+                    <a:lumMod val="20000"/>
+                    <a:lumOff val="80000"/>
+                  </a:schemeClr>
+                </a:solidFill>
+                <a:effectLst>
+                  <a:glow rad="139700">
+                    <a:schemeClr val="accent2">
+                      <a:satMod val="175000"/>
+                      <a:alpha val="40000"/>
+                    </a:schemeClr>
+                  </a:glow>
+                </a:effectLst>
+                <a:latin typeface="標楷體" panose="03000509000000000000" pitchFamily="65" charset="-120"/>
+                <a:ea typeface="標楷體" panose="03000509000000000000" pitchFamily="65" charset="-120"/>
+              </a:rPr>
+              <a:t>呀</a:t>
+            </a:r>
+            <a:endParaRPr lang="en-US" altLang="zh-TW" sz="8000" b="1" dirty="0">
+              <a:ln w="22225">
+                <a:solidFill>
+                  <a:srgbClr val="FF0000"/>
+                </a:solidFill>
+                <a:prstDash val="solid"/>
+              </a:ln>
+              <a:solidFill>
+                <a:schemeClr val="accent1">
+                  <a:lumMod val="20000"/>
+                  <a:lumOff val="80000"/>
+                </a:schemeClr>
+              </a:solidFill>
+              <a:effectLst>
+                <a:glow rad="139700">
+                  <a:schemeClr val="accent2">
+                    <a:satMod val="175000"/>
+                    <a:alpha val="40000"/>
+                  </a:schemeClr>
+                </a:glow>
+              </a:effectLst>
+              <a:latin typeface="標楷體" panose="03000509000000000000" pitchFamily="65" charset="-120"/>
+              <a:ea typeface="標楷體" panose="03000509000000000000" pitchFamily="65" charset="-120"/>
+            </a:endParaRPr>
+          </a:p>
+          <a:p>
+            <a:pPr algn="ctr"/>
+            <a:r>
+              <a:rPr lang="zh-TW" altLang="en-US" sz="8000" b="1" dirty="0">
+                <a:ln w="22225">
+                  <a:solidFill>
+                    <a:srgbClr val="FF0000"/>
+                  </a:solidFill>
+                  <a:prstDash val="solid"/>
+                </a:ln>
+                <a:solidFill>
+                  <a:schemeClr val="accent1">
+                    <a:lumMod val="20000"/>
+                    <a:lumOff val="80000"/>
+                  </a:schemeClr>
+                </a:solidFill>
+                <a:effectLst>
+                  <a:glow rad="139700">
+                    <a:schemeClr val="accent2">
+                      <a:satMod val="175000"/>
+                      <a:alpha val="40000"/>
+                    </a:schemeClr>
+                  </a:glow>
+                </a:effectLst>
+                <a:latin typeface="標楷體" panose="03000509000000000000" pitchFamily="65" charset="-120"/>
+                <a:ea typeface="標楷體" panose="03000509000000000000" pitchFamily="65" charset="-120"/>
+              </a:rPr>
+              <a:t>不</a:t>
+            </a:r>
+            <a:r>
+              <a:rPr lang="zh-TW" altLang="en-US" sz="8000" b="1" dirty="0">
+                <a:ln w="22225">
+                  <a:solidFill>
+                    <a:srgbClr val="FF0000"/>
+                  </a:solidFill>
+                  <a:prstDash val="solid"/>
+                </a:ln>
+                <a:solidFill>
+                  <a:schemeClr val="accent1">
+                    <a:lumMod val="20000"/>
+                    <a:lumOff val="80000"/>
+                  </a:schemeClr>
+                </a:solidFill>
+                <a:effectLst>
+                  <a:glow rad="139700">
+                    <a:schemeClr val="accent2">
+                      <a:satMod val="175000"/>
+                      <a:alpha val="40000"/>
+                    </a:schemeClr>
+                  </a:glow>
+                </a:effectLst>
+                <a:latin typeface="標楷體" panose="03000509000000000000" pitchFamily="65" charset="-120"/>
+                <a:ea typeface="標楷體" panose="03000509000000000000" pitchFamily="65" charset="-120"/>
+              </a:rPr>
+              <a:t>避風</a:t>
+            </a:r>
+            <a:r>
+              <a:rPr lang="zh-TW" altLang="en-US" sz="8000" b="1" dirty="0">
+                <a:ln w="22225">
+                  <a:solidFill>
+                    <a:srgbClr val="FF0000"/>
+                  </a:solidFill>
+                  <a:prstDash val="solid"/>
+                </a:ln>
+                <a:solidFill>
+                  <a:schemeClr val="accent1">
+                    <a:lumMod val="20000"/>
+                    <a:lumOff val="80000"/>
+                  </a:schemeClr>
+                </a:solidFill>
+                <a:effectLst>
+                  <a:glow rad="139700">
+                    <a:schemeClr val="accent2">
+                      <a:satMod val="175000"/>
+                      <a:alpha val="40000"/>
+                    </a:schemeClr>
+                  </a:glow>
+                </a:effectLst>
+                <a:latin typeface="標楷體" panose="03000509000000000000" pitchFamily="65" charset="-120"/>
+                <a:ea typeface="標楷體" panose="03000509000000000000" pitchFamily="65" charset="-120"/>
+              </a:rPr>
+              <a:t>霜</a:t>
+            </a:r>
+            <a:endParaRPr lang="en-US" altLang="zh-TW" sz="8000" b="1" dirty="0">
+              <a:ln w="22225">
+                <a:solidFill>
+                  <a:srgbClr val="FF0000"/>
+                </a:solidFill>
+                <a:prstDash val="solid"/>
+              </a:ln>
+              <a:solidFill>
+                <a:schemeClr val="accent1">
+                  <a:lumMod val="20000"/>
+                  <a:lumOff val="80000"/>
+                </a:schemeClr>
+              </a:solidFill>
+              <a:effectLst>
+                <a:glow rad="139700">
+                  <a:schemeClr val="accent2">
+                    <a:satMod val="175000"/>
+                    <a:alpha val="40000"/>
+                  </a:schemeClr>
+                </a:glow>
+              </a:effectLst>
+              <a:latin typeface="標楷體" panose="03000509000000000000" pitchFamily="65" charset="-120"/>
+              <a:ea typeface="標楷體" panose="03000509000000000000" pitchFamily="65" charset="-120"/>
+            </a:endParaRPr>
+          </a:p>
+          <a:p>
+            <a:pPr algn="ctr"/>
+            <a:r>
+              <a:rPr lang="zh-TW" altLang="en-US" sz="8000" b="1" dirty="0">
+                <a:ln w="22225">
+                  <a:solidFill>
+                    <a:srgbClr val="FF0000"/>
+                  </a:solidFill>
+                  <a:prstDash val="solid"/>
+                </a:ln>
+                <a:solidFill>
+                  <a:schemeClr val="accent1">
+                    <a:lumMod val="20000"/>
+                    <a:lumOff val="80000"/>
+                  </a:schemeClr>
+                </a:solidFill>
+                <a:effectLst>
+                  <a:glow rad="139700">
+                    <a:schemeClr val="accent2">
+                      <a:satMod val="175000"/>
+                      <a:alpha val="40000"/>
+                    </a:schemeClr>
+                  </a:glow>
+                </a:effectLst>
+                <a:latin typeface="標楷體" panose="03000509000000000000" pitchFamily="65" charset="-120"/>
+                <a:ea typeface="標楷體" panose="03000509000000000000" pitchFamily="65" charset="-120"/>
+              </a:rPr>
+              <a:t> 面容多麼慈</a:t>
+            </a:r>
+            <a:r>
+              <a:rPr lang="zh-TW" altLang="en-US" sz="8000" b="1" dirty="0">
+                <a:ln w="22225">
+                  <a:solidFill>
+                    <a:srgbClr val="FF0000"/>
+                  </a:solidFill>
+                  <a:prstDash val="solid"/>
+                </a:ln>
+                <a:solidFill>
+                  <a:schemeClr val="accent1">
+                    <a:lumMod val="20000"/>
+                    <a:lumOff val="80000"/>
+                  </a:schemeClr>
+                </a:solidFill>
+                <a:effectLst>
+                  <a:glow rad="139700">
+                    <a:schemeClr val="accent2">
+                      <a:satMod val="175000"/>
+                      <a:alpha val="40000"/>
+                    </a:schemeClr>
+                  </a:glow>
+                </a:effectLst>
+                <a:latin typeface="標楷體" panose="03000509000000000000" pitchFamily="65" charset="-120"/>
+                <a:ea typeface="標楷體" panose="03000509000000000000" pitchFamily="65" charset="-120"/>
+              </a:rPr>
+              <a:t>祥</a:t>
+            </a:r>
+            <a:endParaRPr lang="zh-TW" altLang="en-US" sz="8000" b="1" dirty="0">
+              <a:ln w="22225">
+                <a:solidFill>
+                  <a:srgbClr val="FF0000"/>
+                </a:solidFill>
+                <a:prstDash val="solid"/>
+              </a:ln>
+              <a:solidFill>
+                <a:schemeClr val="accent1">
+                  <a:lumMod val="20000"/>
+                  <a:lumOff val="80000"/>
+                </a:schemeClr>
+              </a:solidFill>
+              <a:effectLst>
+                <a:glow rad="139700">
+                  <a:schemeClr val="accent2">
+                    <a:satMod val="175000"/>
+                    <a:alpha val="40000"/>
+                  </a:schemeClr>
+                </a:glow>
+              </a:effectLst>
+              <a:latin typeface="標楷體" panose="03000509000000000000" pitchFamily="65" charset="-120"/>
+              <a:ea typeface="標楷體" panose="03000509000000000000" pitchFamily="65" charset="-120"/>
+            </a:endParaRPr>
+          </a:p>
+        </p:txBody>
+      </p:sp>
+    </p:spTree>
+    <p:extLst>
+      <p:ext uri="{BB962C8B-B14F-4D97-AF65-F5344CB8AC3E}">
+        <p14:creationId xmlns:p14="http://schemas.microsoft.com/office/powerpoint/2010/main" val="1403078156"/>
+      </p:ext>
+    </p:extLst>
+  </p:cSld>
+  <p:clrMapOvr>
+    <a:masterClrMapping/>
+  </p:clrMapOvr>
+  <p:timing>
+    <p:tnLst>
+      <p:par>
+        <p:cTn id="1" dur="indefinite" restart="never" nodeType="tmRoot"/>
+      </p:par>
+    </p:tnLst>
+  </p:timing>
+</p:sld>
+</file>
+
+<file path=ppt/slides/slide8.xml><?xml version="1.0" encoding="utf-8"?>
+<p:sld xmlns:a="http://schemas.openxmlformats.org/drawingml/2006/main" xmlns:r="http://schemas.openxmlformats.org/officeDocument/2006/relationships" xmlns:p="http://schemas.openxmlformats.org/presentationml/2006/main">
+  <p:cSld>
+    <p:spTree>
+      <p:nvGrpSpPr>
+        <p:cNvPr id="1" name=""/>
+        <p:cNvGrpSpPr/>
+        <p:nvPr/>
+      </p:nvGrpSpPr>
+      <p:grpSpPr>
+        <a:xfrm>
+          <a:off x="0" y="0"/>
+          <a:ext cx="0" cy="0"/>
+          <a:chOff x="0" y="0"/>
+          <a:chExt cx="0" cy="0"/>
+        </a:xfrm>
+      </p:grpSpPr>
+      <p:pic>
+        <p:nvPicPr>
+          <p:cNvPr id="4" name="內容版面配置區 3"/>
+          <p:cNvPicPr>
+            <a:picLocks noGrp="1" noChangeAspect="1"/>
+          </p:cNvPicPr>
+          <p:nvPr>
+            <p:ph idx="1"/>
+          </p:nvPr>
+        </p:nvPicPr>
+        <p:blipFill>
+          <a:blip r:embed="rId2">
+            <a:extLst>
+              <a:ext uri="{28A0092B-C50C-407E-A947-70E740481C1C}">
+                <a14:useLocalDpi xmlns:a14="http://schemas.microsoft.com/office/drawing/2010/main" val="0"/>
+              </a:ext>
+            </a:extLst>
+          </a:blip>
+          <a:stretch>
+            <a:fillRect/>
+          </a:stretch>
+        </p:blipFill>
+        <p:spPr>
+          <a:xfrm>
+            <a:off x="0" y="-46801"/>
+            <a:ext cx="12192000" cy="6999732"/>
+          </a:xfrm>
+        </p:spPr>
+      </p:pic>
+      <p:sp>
+        <p:nvSpPr>
+          <p:cNvPr id="8" name="文字方塊 7"/>
+          <p:cNvSpPr txBox="1"/>
+          <p:nvPr/>
+        </p:nvSpPr>
+        <p:spPr>
+          <a:xfrm>
+            <a:off x="-240704" y="459509"/>
+            <a:ext cx="12191999" cy="3785652"/>
+          </a:xfrm>
+          <a:prstGeom prst="rect">
+            <a:avLst/>
+          </a:prstGeom>
+          <a:noFill/>
+        </p:spPr>
+        <p:txBody>
+          <a:bodyPr wrap="square" rtlCol="0" anchor="ctr">
+            <a:spAutoFit/>
+          </a:bodyPr>
+          <a:lstStyle/>
+          <a:p>
+            <a:pPr algn="ctr"/>
+            <a:r>
+              <a:rPr lang="zh-TW" altLang="en-US" sz="8000" b="1" dirty="0">
+                <a:ln w="22225">
+                  <a:solidFill>
+                    <a:srgbClr val="FF0000"/>
+                  </a:solidFill>
+                  <a:prstDash val="solid"/>
+                </a:ln>
+                <a:solidFill>
+                  <a:schemeClr val="accent1">
+                    <a:lumMod val="20000"/>
+                    <a:lumOff val="80000"/>
+                  </a:schemeClr>
+                </a:solidFill>
+                <a:effectLst>
+                  <a:glow rad="139700">
+                    <a:schemeClr val="accent2">
+                      <a:satMod val="175000"/>
+                      <a:alpha val="40000"/>
+                    </a:schemeClr>
+                  </a:glow>
+                </a:effectLst>
+                <a:latin typeface="標楷體" panose="03000509000000000000" pitchFamily="65" charset="-120"/>
+                <a:ea typeface="標楷體" panose="03000509000000000000" pitchFamily="65" charset="-120"/>
+              </a:rPr>
+              <a:t>叮叮</a:t>
+            </a:r>
+            <a:r>
+              <a:rPr lang="zh-TW" altLang="en-US" sz="8000" b="1" dirty="0">
+                <a:ln w="22225">
+                  <a:solidFill>
+                    <a:srgbClr val="FF0000"/>
+                  </a:solidFill>
+                  <a:prstDash val="solid"/>
+                </a:ln>
+                <a:solidFill>
+                  <a:schemeClr val="accent1">
+                    <a:lumMod val="20000"/>
+                    <a:lumOff val="80000"/>
+                  </a:schemeClr>
+                </a:solidFill>
+                <a:effectLst>
+                  <a:glow rad="139700">
+                    <a:schemeClr val="accent2">
+                      <a:satMod val="175000"/>
+                      <a:alpha val="40000"/>
+                    </a:schemeClr>
+                  </a:glow>
+                </a:effectLst>
+                <a:latin typeface="標楷體" panose="03000509000000000000" pitchFamily="65" charset="-120"/>
+                <a:ea typeface="標楷體" panose="03000509000000000000" pitchFamily="65" charset="-120"/>
+              </a:rPr>
+              <a:t>噹</a:t>
+            </a:r>
+            <a:endParaRPr lang="en-US" altLang="zh-TW" sz="8000" b="1" dirty="0">
+              <a:ln w="22225">
+                <a:solidFill>
+                  <a:srgbClr val="FF0000"/>
+                </a:solidFill>
+                <a:prstDash val="solid"/>
+              </a:ln>
+              <a:solidFill>
+                <a:schemeClr val="accent1">
+                  <a:lumMod val="20000"/>
+                  <a:lumOff val="80000"/>
+                </a:schemeClr>
+              </a:solidFill>
+              <a:effectLst>
+                <a:glow rad="139700">
+                  <a:schemeClr val="accent2">
+                    <a:satMod val="175000"/>
+                    <a:alpha val="40000"/>
+                  </a:schemeClr>
+                </a:glow>
+              </a:effectLst>
+              <a:latin typeface="標楷體" panose="03000509000000000000" pitchFamily="65" charset="-120"/>
+              <a:ea typeface="標楷體" panose="03000509000000000000" pitchFamily="65" charset="-120"/>
+            </a:endParaRPr>
+          </a:p>
+          <a:p>
+            <a:pPr algn="ctr"/>
+            <a:r>
+              <a:rPr lang="zh-TW" altLang="en-US" sz="8000" b="1" dirty="0">
+                <a:ln w="22225">
+                  <a:solidFill>
+                    <a:srgbClr val="FF0000"/>
+                  </a:solidFill>
+                  <a:prstDash val="solid"/>
+                </a:ln>
+                <a:solidFill>
+                  <a:schemeClr val="accent1">
+                    <a:lumMod val="20000"/>
+                    <a:lumOff val="80000"/>
+                  </a:schemeClr>
+                </a:solidFill>
+                <a:effectLst>
+                  <a:glow rad="139700">
+                    <a:schemeClr val="accent2">
+                      <a:satMod val="175000"/>
+                      <a:alpha val="40000"/>
+                    </a:schemeClr>
+                  </a:glow>
+                </a:effectLst>
+                <a:latin typeface="標楷體" panose="03000509000000000000" pitchFamily="65" charset="-120"/>
+                <a:ea typeface="標楷體" panose="03000509000000000000" pitchFamily="65" charset="-120"/>
+              </a:rPr>
+              <a:t>叮</a:t>
+            </a:r>
+            <a:r>
+              <a:rPr lang="zh-TW" altLang="en-US" sz="8000" b="1" dirty="0">
+                <a:ln w="22225">
+                  <a:solidFill>
+                    <a:srgbClr val="FF0000"/>
+                  </a:solidFill>
+                  <a:prstDash val="solid"/>
+                </a:ln>
+                <a:solidFill>
+                  <a:schemeClr val="accent1">
+                    <a:lumMod val="20000"/>
+                    <a:lumOff val="80000"/>
+                  </a:schemeClr>
+                </a:solidFill>
+                <a:effectLst>
+                  <a:glow rad="139700">
+                    <a:schemeClr val="accent2">
+                      <a:satMod val="175000"/>
+                      <a:alpha val="40000"/>
+                    </a:schemeClr>
+                  </a:glow>
+                </a:effectLst>
+                <a:latin typeface="標楷體" panose="03000509000000000000" pitchFamily="65" charset="-120"/>
+                <a:ea typeface="標楷體" panose="03000509000000000000" pitchFamily="65" charset="-120"/>
+              </a:rPr>
+              <a:t>叮</a:t>
+            </a:r>
+            <a:r>
+              <a:rPr lang="zh-TW" altLang="en-US" sz="8000" b="1" dirty="0">
+                <a:ln w="22225">
+                  <a:solidFill>
+                    <a:srgbClr val="FF0000"/>
+                  </a:solidFill>
+                  <a:prstDash val="solid"/>
+                </a:ln>
+                <a:solidFill>
+                  <a:schemeClr val="accent1">
+                    <a:lumMod val="20000"/>
+                    <a:lumOff val="80000"/>
+                  </a:schemeClr>
+                </a:solidFill>
+                <a:effectLst>
+                  <a:glow rad="139700">
+                    <a:schemeClr val="accent2">
+                      <a:satMod val="175000"/>
+                      <a:alpha val="40000"/>
+                    </a:schemeClr>
+                  </a:glow>
+                </a:effectLst>
+                <a:latin typeface="標楷體" panose="03000509000000000000" pitchFamily="65" charset="-120"/>
+                <a:ea typeface="標楷體" panose="03000509000000000000" pitchFamily="65" charset="-120"/>
+              </a:rPr>
+              <a:t>噹</a:t>
+            </a:r>
+            <a:endParaRPr lang="en-US" altLang="zh-TW" sz="8000" b="1" dirty="0">
+              <a:ln w="22225">
+                <a:solidFill>
+                  <a:srgbClr val="FF0000"/>
+                </a:solidFill>
+                <a:prstDash val="solid"/>
+              </a:ln>
+              <a:solidFill>
+                <a:schemeClr val="accent1">
+                  <a:lumMod val="20000"/>
+                  <a:lumOff val="80000"/>
+                </a:schemeClr>
+              </a:solidFill>
+              <a:effectLst>
+                <a:glow rad="139700">
+                  <a:schemeClr val="accent2">
+                    <a:satMod val="175000"/>
+                    <a:alpha val="40000"/>
+                  </a:schemeClr>
+                </a:glow>
+              </a:effectLst>
+              <a:latin typeface="標楷體" panose="03000509000000000000" pitchFamily="65" charset="-120"/>
+              <a:ea typeface="標楷體" panose="03000509000000000000" pitchFamily="65" charset="-120"/>
+            </a:endParaRPr>
+          </a:p>
+          <a:p>
+            <a:pPr algn="ctr"/>
+            <a:r>
+              <a:rPr lang="zh-TW" altLang="en-US" sz="8000" b="1" dirty="0">
+                <a:ln w="22225">
+                  <a:solidFill>
+                    <a:srgbClr val="FF0000"/>
+                  </a:solidFill>
+                  <a:prstDash val="solid"/>
+                </a:ln>
+                <a:solidFill>
+                  <a:schemeClr val="accent1">
+                    <a:lumMod val="20000"/>
+                    <a:lumOff val="80000"/>
+                  </a:schemeClr>
+                </a:solidFill>
+                <a:effectLst>
+                  <a:glow rad="139700">
+                    <a:schemeClr val="accent2">
+                      <a:satMod val="175000"/>
+                      <a:alpha val="40000"/>
+                    </a:schemeClr>
+                  </a:glow>
+                </a:effectLst>
+                <a:latin typeface="標楷體" panose="03000509000000000000" pitchFamily="65" charset="-120"/>
+                <a:ea typeface="標楷體" panose="03000509000000000000" pitchFamily="65" charset="-120"/>
+              </a:rPr>
+              <a:t>鈴聲多響</a:t>
+            </a:r>
+            <a:r>
+              <a:rPr lang="zh-TW" altLang="en-US" sz="8000" b="1" dirty="0">
+                <a:ln w="22225">
+                  <a:solidFill>
+                    <a:srgbClr val="FF0000"/>
+                  </a:solidFill>
+                  <a:prstDash val="solid"/>
+                </a:ln>
+                <a:solidFill>
+                  <a:schemeClr val="accent1">
+                    <a:lumMod val="20000"/>
+                    <a:lumOff val="80000"/>
+                  </a:schemeClr>
+                </a:solidFill>
+                <a:effectLst>
+                  <a:glow rad="139700">
+                    <a:schemeClr val="accent2">
+                      <a:satMod val="175000"/>
+                      <a:alpha val="40000"/>
+                    </a:schemeClr>
+                  </a:glow>
+                </a:effectLst>
+                <a:latin typeface="標楷體" panose="03000509000000000000" pitchFamily="65" charset="-120"/>
+                <a:ea typeface="標楷體" panose="03000509000000000000" pitchFamily="65" charset="-120"/>
+              </a:rPr>
+              <a:t>亮</a:t>
+            </a:r>
+            <a:endParaRPr lang="zh-TW" altLang="en-US" sz="8000" b="1" dirty="0">
+              <a:ln w="22225">
+                <a:solidFill>
+                  <a:srgbClr val="FF0000"/>
+                </a:solidFill>
+                <a:prstDash val="solid"/>
+              </a:ln>
+              <a:solidFill>
+                <a:schemeClr val="accent1">
+                  <a:lumMod val="20000"/>
+                  <a:lumOff val="80000"/>
+                </a:schemeClr>
+              </a:solidFill>
+              <a:effectLst>
+                <a:glow rad="139700">
+                  <a:schemeClr val="accent2">
+                    <a:satMod val="175000"/>
+                    <a:alpha val="40000"/>
+                  </a:schemeClr>
+                </a:glow>
+              </a:effectLst>
+              <a:latin typeface="標楷體" panose="03000509000000000000" pitchFamily="65" charset="-120"/>
+              <a:ea typeface="標楷體" panose="03000509000000000000" pitchFamily="65" charset="-120"/>
+            </a:endParaRPr>
+          </a:p>
+        </p:txBody>
+      </p:sp>
+    </p:spTree>
+    <p:extLst>
+      <p:ext uri="{BB962C8B-B14F-4D97-AF65-F5344CB8AC3E}">
+        <p14:creationId xmlns:p14="http://schemas.microsoft.com/office/powerpoint/2010/main" val="2977091187"/>
+      </p:ext>
+    </p:extLst>
+  </p:cSld>
+  <p:clrMapOvr>
+    <a:masterClrMapping/>
+  </p:clrMapOvr>
+  <p:timing>
+    <p:tnLst>
+      <p:par>
+        <p:cTn id="1" dur="indefinite" restart="never" nodeType="tmRoot"/>
+      </p:par>
+    </p:tnLst>
+  </p:timing>
+</p:sld>
+</file>
+
+<file path=ppt/slides/slide9.xml><?xml version="1.0" encoding="utf-8"?>
+<p:sld xmlns:a="http://schemas.openxmlformats.org/drawingml/2006/main" xmlns:r="http://schemas.openxmlformats.org/officeDocument/2006/relationships" xmlns:p="http://schemas.openxmlformats.org/presentationml/2006/main">
+  <p:cSld>
+    <p:spTree>
+      <p:nvGrpSpPr>
+        <p:cNvPr id="1" name=""/>
+        <p:cNvGrpSpPr/>
+        <p:nvPr/>
+      </p:nvGrpSpPr>
+      <p:grpSpPr>
+        <a:xfrm>
+          <a:off x="0" y="0"/>
+          <a:ext cx="0" cy="0"/>
+          <a:chOff x="0" y="0"/>
+          <a:chExt cx="0" cy="0"/>
+        </a:xfrm>
+      </p:grpSpPr>
+      <p:pic>
+        <p:nvPicPr>
+          <p:cNvPr id="4" name="內容版面配置區 3"/>
+          <p:cNvPicPr>
+            <a:picLocks noGrp="1" noChangeAspect="1"/>
+          </p:cNvPicPr>
+          <p:nvPr>
+            <p:ph idx="1"/>
+          </p:nvPr>
+        </p:nvPicPr>
+        <p:blipFill>
+          <a:blip r:embed="rId2">
+            <a:extLst>
+              <a:ext uri="{28A0092B-C50C-407E-A947-70E740481C1C}">
+                <a14:useLocalDpi xmlns:a14="http://schemas.microsoft.com/office/drawing/2010/main" val="0"/>
+              </a:ext>
+            </a:extLst>
+          </a:blip>
+          <a:stretch>
+            <a:fillRect/>
+          </a:stretch>
+        </p:blipFill>
+        <p:spPr>
+          <a:xfrm>
+            <a:off x="0" y="-46801"/>
+            <a:ext cx="12192000" cy="6999732"/>
+          </a:xfrm>
+        </p:spPr>
+      </p:pic>
+      <p:sp>
+        <p:nvSpPr>
+          <p:cNvPr id="8" name="文字方塊 7"/>
+          <p:cNvSpPr txBox="1"/>
+          <p:nvPr/>
+        </p:nvSpPr>
+        <p:spPr>
+          <a:xfrm>
+            <a:off x="-240704" y="787805"/>
+            <a:ext cx="12191999" cy="3785652"/>
+          </a:xfrm>
+          <a:prstGeom prst="rect">
+            <a:avLst/>
+          </a:prstGeom>
+          <a:noFill/>
+        </p:spPr>
+        <p:txBody>
+          <a:bodyPr wrap="square" rtlCol="0" anchor="ctr">
+            <a:spAutoFit/>
+          </a:bodyPr>
+          <a:lstStyle/>
+          <a:p>
+            <a:pPr algn="ctr"/>
+            <a:r>
+              <a:rPr lang="zh-TW" altLang="en-US" sz="8000" b="1" dirty="0">
+                <a:ln w="22225">
+                  <a:solidFill>
+                    <a:srgbClr val="FF0000"/>
+                  </a:solidFill>
+                  <a:prstDash val="solid"/>
+                </a:ln>
+                <a:solidFill>
+                  <a:schemeClr val="accent1">
+                    <a:lumMod val="20000"/>
+                    <a:lumOff val="80000"/>
+                  </a:schemeClr>
+                </a:solidFill>
+                <a:effectLst>
+                  <a:glow rad="139700">
+                    <a:schemeClr val="accent2">
+                      <a:satMod val="175000"/>
+                      <a:alpha val="40000"/>
+                    </a:schemeClr>
+                  </a:glow>
+                </a:effectLst>
+                <a:latin typeface="標楷體" panose="03000509000000000000" pitchFamily="65" charset="-120"/>
+                <a:ea typeface="標楷體" panose="03000509000000000000" pitchFamily="65" charset="-120"/>
+              </a:rPr>
+              <a:t>他給我</a:t>
+            </a:r>
+            <a:r>
+              <a:rPr lang="zh-TW" altLang="en-US" sz="8000" b="1" dirty="0">
+                <a:ln w="22225">
+                  <a:solidFill>
+                    <a:srgbClr val="FF0000"/>
+                  </a:solidFill>
+                  <a:prstDash val="solid"/>
+                </a:ln>
+                <a:solidFill>
+                  <a:schemeClr val="accent1">
+                    <a:lumMod val="20000"/>
+                    <a:lumOff val="80000"/>
+                  </a:schemeClr>
+                </a:solidFill>
+                <a:effectLst>
+                  <a:glow rad="139700">
+                    <a:schemeClr val="accent2">
+                      <a:satMod val="175000"/>
+                      <a:alpha val="40000"/>
+                    </a:schemeClr>
+                  </a:glow>
+                </a:effectLst>
+                <a:latin typeface="標楷體" panose="03000509000000000000" pitchFamily="65" charset="-120"/>
+                <a:ea typeface="標楷體" panose="03000509000000000000" pitchFamily="65" charset="-120"/>
+              </a:rPr>
+              <a:t>們</a:t>
+            </a:r>
+            <a:endParaRPr lang="en-US" altLang="zh-TW" sz="8000" b="1" dirty="0">
+              <a:ln w="22225">
+                <a:solidFill>
+                  <a:srgbClr val="FF0000"/>
+                </a:solidFill>
+                <a:prstDash val="solid"/>
+              </a:ln>
+              <a:solidFill>
+                <a:schemeClr val="accent1">
+                  <a:lumMod val="20000"/>
+                  <a:lumOff val="80000"/>
+                </a:schemeClr>
+              </a:solidFill>
+              <a:effectLst>
+                <a:glow rad="139700">
+                  <a:schemeClr val="accent2">
+                    <a:satMod val="175000"/>
+                    <a:alpha val="40000"/>
+                  </a:schemeClr>
+                </a:glow>
+              </a:effectLst>
+              <a:latin typeface="標楷體" panose="03000509000000000000" pitchFamily="65" charset="-120"/>
+              <a:ea typeface="標楷體" panose="03000509000000000000" pitchFamily="65" charset="-120"/>
+            </a:endParaRPr>
+          </a:p>
+          <a:p>
+            <a:pPr algn="ctr"/>
+            <a:r>
+              <a:rPr lang="zh-TW" altLang="en-US" sz="8000" b="1" dirty="0">
+                <a:ln w="22225">
+                  <a:solidFill>
+                    <a:srgbClr val="FF0000"/>
+                  </a:solidFill>
+                  <a:prstDash val="solid"/>
+                </a:ln>
+                <a:solidFill>
+                  <a:schemeClr val="accent1">
+                    <a:lumMod val="20000"/>
+                    <a:lumOff val="80000"/>
+                  </a:schemeClr>
+                </a:solidFill>
+                <a:effectLst>
+                  <a:glow rad="139700">
+                    <a:schemeClr val="accent2">
+                      <a:satMod val="175000"/>
+                      <a:alpha val="40000"/>
+                    </a:schemeClr>
+                  </a:glow>
+                </a:effectLst>
+                <a:latin typeface="標楷體" panose="03000509000000000000" pitchFamily="65" charset="-120"/>
+                <a:ea typeface="標楷體" panose="03000509000000000000" pitchFamily="65" charset="-120"/>
+              </a:rPr>
+              <a:t>帶</a:t>
+            </a:r>
+            <a:r>
+              <a:rPr lang="zh-TW" altLang="en-US" sz="8000" b="1" dirty="0">
+                <a:ln w="22225">
+                  <a:solidFill>
+                    <a:srgbClr val="FF0000"/>
+                  </a:solidFill>
+                  <a:prstDash val="solid"/>
+                </a:ln>
+                <a:solidFill>
+                  <a:schemeClr val="accent1">
+                    <a:lumMod val="20000"/>
+                    <a:lumOff val="80000"/>
+                  </a:schemeClr>
+                </a:solidFill>
+                <a:effectLst>
+                  <a:glow rad="139700">
+                    <a:schemeClr val="accent2">
+                      <a:satMod val="175000"/>
+                      <a:alpha val="40000"/>
+                    </a:schemeClr>
+                  </a:glow>
+                </a:effectLst>
+                <a:latin typeface="標楷體" panose="03000509000000000000" pitchFamily="65" charset="-120"/>
+                <a:ea typeface="標楷體" panose="03000509000000000000" pitchFamily="65" charset="-120"/>
+              </a:rPr>
+              <a:t>來幸</a:t>
+            </a:r>
+            <a:r>
+              <a:rPr lang="zh-TW" altLang="en-US" sz="8000" b="1" dirty="0">
+                <a:ln w="22225">
+                  <a:solidFill>
+                    <a:srgbClr val="FF0000"/>
+                  </a:solidFill>
+                  <a:prstDash val="solid"/>
+                </a:ln>
+                <a:solidFill>
+                  <a:schemeClr val="accent1">
+                    <a:lumMod val="20000"/>
+                    <a:lumOff val="80000"/>
+                  </a:schemeClr>
+                </a:solidFill>
+                <a:effectLst>
+                  <a:glow rad="139700">
+                    <a:schemeClr val="accent2">
+                      <a:satMod val="175000"/>
+                      <a:alpha val="40000"/>
+                    </a:schemeClr>
+                  </a:glow>
+                </a:effectLst>
+                <a:latin typeface="標楷體" panose="03000509000000000000" pitchFamily="65" charset="-120"/>
+                <a:ea typeface="標楷體" panose="03000509000000000000" pitchFamily="65" charset="-120"/>
+              </a:rPr>
+              <a:t>福</a:t>
+            </a:r>
+            <a:endParaRPr lang="en-US" altLang="zh-TW" sz="8000" b="1" dirty="0">
+              <a:ln w="22225">
+                <a:solidFill>
+                  <a:srgbClr val="FF0000"/>
+                </a:solidFill>
+                <a:prstDash val="solid"/>
+              </a:ln>
+              <a:solidFill>
+                <a:schemeClr val="accent1">
+                  <a:lumMod val="20000"/>
+                  <a:lumOff val="80000"/>
+                </a:schemeClr>
+              </a:solidFill>
+              <a:effectLst>
+                <a:glow rad="139700">
+                  <a:schemeClr val="accent2">
+                    <a:satMod val="175000"/>
+                    <a:alpha val="40000"/>
+                  </a:schemeClr>
+                </a:glow>
+              </a:effectLst>
+              <a:latin typeface="標楷體" panose="03000509000000000000" pitchFamily="65" charset="-120"/>
+              <a:ea typeface="標楷體" panose="03000509000000000000" pitchFamily="65" charset="-120"/>
+            </a:endParaRPr>
+          </a:p>
+          <a:p>
+            <a:pPr algn="ctr"/>
+            <a:r>
+              <a:rPr lang="zh-TW" altLang="en-US" sz="8000" b="1" dirty="0">
+                <a:ln w="22225">
+                  <a:solidFill>
+                    <a:srgbClr val="FF0000"/>
+                  </a:solidFill>
+                  <a:prstDash val="solid"/>
+                </a:ln>
+                <a:solidFill>
+                  <a:schemeClr val="accent1">
+                    <a:lumMod val="20000"/>
+                    <a:lumOff val="80000"/>
+                  </a:schemeClr>
+                </a:solidFill>
+                <a:effectLst>
+                  <a:glow rad="139700">
+                    <a:schemeClr val="accent2">
+                      <a:satMod val="175000"/>
+                      <a:alpha val="40000"/>
+                    </a:schemeClr>
+                  </a:glow>
+                </a:effectLst>
+                <a:latin typeface="標楷體" panose="03000509000000000000" pitchFamily="65" charset="-120"/>
+                <a:ea typeface="標楷體" panose="03000509000000000000" pitchFamily="65" charset="-120"/>
+              </a:rPr>
+              <a:t>大家喜洋</a:t>
+            </a:r>
+            <a:r>
+              <a:rPr lang="zh-TW" altLang="en-US" sz="8000" b="1" dirty="0">
+                <a:ln w="22225">
+                  <a:solidFill>
+                    <a:srgbClr val="FF0000"/>
+                  </a:solidFill>
+                  <a:prstDash val="solid"/>
+                </a:ln>
+                <a:solidFill>
+                  <a:schemeClr val="accent1">
+                    <a:lumMod val="20000"/>
+                    <a:lumOff val="80000"/>
+                  </a:schemeClr>
+                </a:solidFill>
+                <a:effectLst>
+                  <a:glow rad="139700">
+                    <a:schemeClr val="accent2">
+                      <a:satMod val="175000"/>
+                      <a:alpha val="40000"/>
+                    </a:schemeClr>
+                  </a:glow>
+                </a:effectLst>
+                <a:latin typeface="標楷體" panose="03000509000000000000" pitchFamily="65" charset="-120"/>
+                <a:ea typeface="標楷體" panose="03000509000000000000" pitchFamily="65" charset="-120"/>
+              </a:rPr>
+              <a:t>洋</a:t>
+            </a:r>
+            <a:endParaRPr lang="zh-TW" altLang="en-US" sz="8000" b="1" dirty="0">
+              <a:ln w="22225">
+                <a:solidFill>
+                  <a:srgbClr val="FF0000"/>
+                </a:solidFill>
+                <a:prstDash val="solid"/>
+              </a:ln>
+              <a:solidFill>
+                <a:schemeClr val="accent1">
+                  <a:lumMod val="20000"/>
+                  <a:lumOff val="80000"/>
+                </a:schemeClr>
+              </a:solidFill>
+              <a:effectLst>
+                <a:glow rad="139700">
+                  <a:schemeClr val="accent2">
+                    <a:satMod val="175000"/>
+                    <a:alpha val="40000"/>
+                  </a:schemeClr>
+                </a:glow>
+              </a:effectLst>
+              <a:latin typeface="標楷體" panose="03000509000000000000" pitchFamily="65" charset="-120"/>
+              <a:ea typeface="標楷體" panose="03000509000000000000" pitchFamily="65" charset="-120"/>
+            </a:endParaRPr>
+          </a:p>
+        </p:txBody>
+      </p:sp>
+    </p:spTree>
+    <p:extLst>
+      <p:ext uri="{BB962C8B-B14F-4D97-AF65-F5344CB8AC3E}">
+        <p14:creationId xmlns:p14="http://schemas.microsoft.com/office/powerpoint/2010/main" val="3025406436"/>
       </p:ext>
     </p:extLst>
   </p:cSld>
